--- a/presentation-source/08-Microservices.pptx
+++ b/presentation-source/08-Microservices.pptx
@@ -5,7 +5,7 @@
     <p:sldMasterId id="2147483648" r:id="rId1"/>
   </p:sldMasterIdLst>
   <p:notesMasterIdLst>
-    <p:notesMasterId r:id="rId18"/>
+    <p:notesMasterId r:id="rId20"/>
   </p:notesMasterIdLst>
   <p:sldIdLst>
     <p:sldId id="256" r:id="rId2"/>
@@ -15,15 +15,17 @@
     <p:sldId id="260" r:id="rId6"/>
     <p:sldId id="261" r:id="rId7"/>
     <p:sldId id="262" r:id="rId8"/>
-    <p:sldId id="263" r:id="rId9"/>
-    <p:sldId id="264" r:id="rId10"/>
-    <p:sldId id="269" r:id="rId11"/>
-    <p:sldId id="270" r:id="rId12"/>
-    <p:sldId id="265" r:id="rId13"/>
-    <p:sldId id="266" r:id="rId14"/>
-    <p:sldId id="272" r:id="rId15"/>
-    <p:sldId id="267" r:id="rId16"/>
-    <p:sldId id="268" r:id="rId17"/>
+    <p:sldId id="273" r:id="rId9"/>
+    <p:sldId id="275" r:id="rId10"/>
+    <p:sldId id="270" r:id="rId11"/>
+    <p:sldId id="263" r:id="rId12"/>
+    <p:sldId id="264" r:id="rId13"/>
+    <p:sldId id="269" r:id="rId14"/>
+    <p:sldId id="265" r:id="rId15"/>
+    <p:sldId id="266" r:id="rId16"/>
+    <p:sldId id="272" r:id="rId17"/>
+    <p:sldId id="267" r:id="rId18"/>
+    <p:sldId id="268" r:id="rId19"/>
   </p:sldIdLst>
   <p:sldSz cx="9144000" cy="6858000" type="screen4x3"/>
   <p:notesSz cx="6858000" cy="9144000"/>
@@ -171,7 +173,7 @@
           <a:lstStyle>
             <a:lvl1pPr algn="l">
               <a:defRPr sz="1200">
-                <a:latin typeface="Calisto MT"/>
+                <a:latin typeface="Montserrat"/>
               </a:defRPr>
             </a:lvl1pPr>
           </a:lstStyle>
@@ -204,7 +206,7 @@
           <a:lstStyle>
             <a:lvl1pPr algn="r">
               <a:defRPr sz="1200">
-                <a:latin typeface="Calisto MT"/>
+                <a:latin typeface="Montserrat"/>
               </a:defRPr>
             </a:lvl1pPr>
           </a:lstStyle>
@@ -335,7 +337,7 @@
           <a:lstStyle>
             <a:lvl1pPr algn="l">
               <a:defRPr sz="1200">
-                <a:latin typeface="Calisto MT"/>
+                <a:latin typeface="Montserrat"/>
               </a:defRPr>
             </a:lvl1pPr>
           </a:lstStyle>
@@ -368,7 +370,7 @@
           <a:lstStyle>
             <a:lvl1pPr algn="r">
               <a:defRPr sz="1200">
-                <a:latin typeface="Calisto MT"/>
+                <a:latin typeface="Montserrat"/>
               </a:defRPr>
             </a:lvl1pPr>
           </a:lstStyle>
@@ -396,7 +398,7 @@
         <a:solidFill>
           <a:schemeClr val="tx1"/>
         </a:solidFill>
-        <a:latin typeface="Calisto MT"/>
+        <a:latin typeface="Montserrat"/>
         <a:ea typeface="+mn-ea"/>
         <a:cs typeface="+mn-cs"/>
       </a:defRPr>
@@ -406,7 +408,7 @@
         <a:solidFill>
           <a:schemeClr val="tx1"/>
         </a:solidFill>
-        <a:latin typeface="Calisto MT"/>
+        <a:latin typeface="Montserrat"/>
         <a:ea typeface="+mn-ea"/>
         <a:cs typeface="+mn-cs"/>
       </a:defRPr>
@@ -416,7 +418,7 @@
         <a:solidFill>
           <a:schemeClr val="tx1"/>
         </a:solidFill>
-        <a:latin typeface="Calisto MT"/>
+        <a:latin typeface="Montserrat"/>
         <a:ea typeface="+mn-ea"/>
         <a:cs typeface="+mn-cs"/>
       </a:defRPr>
@@ -426,7 +428,7 @@
         <a:solidFill>
           <a:schemeClr val="tx1"/>
         </a:solidFill>
-        <a:latin typeface="Calisto MT"/>
+        <a:latin typeface="Montserrat"/>
         <a:ea typeface="+mn-ea"/>
         <a:cs typeface="+mn-cs"/>
       </a:defRPr>
@@ -436,7 +438,7 @@
         <a:solidFill>
           <a:schemeClr val="tx1"/>
         </a:solidFill>
-        <a:latin typeface="Calisto MT"/>
+        <a:latin typeface="Montserrat"/>
         <a:ea typeface="+mn-ea"/>
         <a:cs typeface="+mn-cs"/>
       </a:defRPr>
@@ -3240,7 +3242,7 @@
       </p:sp>
       <p:sp>
         <p:nvSpPr>
-          <p:cNvPr id="21" name="TextBox 20"/>
+          <p:cNvPr id="6" name="TextBox 5"/>
           <p:cNvSpPr txBox="1">
             <a:spLocks noChangeArrowheads="1"/>
           </p:cNvSpPr>
@@ -3248,8 +3250,8 @@
         </p:nvSpPr>
         <p:spPr bwMode="auto">
           <a:xfrm>
-            <a:off x="1046163" y="6092834"/>
-            <a:ext cx="6595551" cy="707886"/>
+            <a:off x="1168930" y="6344711"/>
+            <a:ext cx="4942379" cy="415498"/>
           </a:xfrm>
           <a:prstGeom prst="rect">
             <a:avLst/>
@@ -3421,10 +3423,22 @@
               <a:defRPr/>
             </a:pPr>
             <a:r>
-              <a:rPr lang="en-US" sz="1000" dirty="0" smtClean="0">
-                <a:latin typeface="Calisto MT"/>
+              <a:rPr lang="en-US" sz="700" dirty="0" smtClean="0">
+                <a:latin typeface="Montserrat"/>
               </a:rPr>
-              <a:t>© Paul Fremantle 2014.  Portions © Jeremy Gibbons 2010, © WSO2 2005-2012 used with permission of the author(s).</a:t>
+              <a:t>© Paul Fremantle </a:t>
+            </a:r>
+            <a:r>
+              <a:rPr lang="en-US" sz="700" dirty="0" smtClean="0">
+                <a:latin typeface="Montserrat"/>
+              </a:rPr>
+              <a:t>2016 except where credited elsewhere. </a:t>
+            </a:r>
+            <a:r>
+              <a:rPr lang="en-US" sz="700" dirty="0" smtClean="0">
+                <a:latin typeface="Montserrat"/>
+              </a:rPr>
+              <a:t> This work is licensed under a Creative Commons</a:t>
             </a:r>
           </a:p>
           <a:p>
@@ -3432,110 +3446,84 @@
               <a:defRPr/>
             </a:pPr>
             <a:r>
-              <a:rPr lang="en-US" sz="1000" dirty="0" smtClean="0">
-                <a:latin typeface="Calisto MT"/>
+              <a:rPr lang="en-US" sz="700" dirty="0" smtClean="0">
+                <a:latin typeface="Montserrat"/>
               </a:rPr>
-              <a:t>Licensed under the Creative Commons 3.0 BY-SA (Attribution-</a:t>
-            </a:r>
-            <a:r>
-              <a:rPr lang="en-US" sz="1000" dirty="0" err="1" smtClean="0">
-                <a:latin typeface="Calisto MT"/>
+              <a:t> Attribution-</a:t>
+            </a:r>
+            <a:r>
+              <a:rPr lang="en-US" sz="700" dirty="0" err="1" smtClean="0">
+                <a:latin typeface="Montserrat"/>
               </a:rPr>
-              <a:t>Sharealike</a:t>
-            </a:r>
-            <a:r>
-              <a:rPr lang="en-US" sz="1000" dirty="0" smtClean="0">
-                <a:latin typeface="Calisto MT"/>
+              <a:t>NonCommercial</a:t>
+            </a:r>
+            <a:r>
+              <a:rPr lang="en-US" sz="700" dirty="0" smtClean="0">
+                <a:latin typeface="Montserrat"/>
               </a:rPr>
-              <a:t>) license.</a:t>
-            </a:r>
-          </a:p>
-          <a:p>
-            <a:pPr algn="l" eaLnBrk="1" hangingPunct="1">
-              <a:defRPr/>
-            </a:pPr>
-            <a:r>
-              <a:rPr lang="en-US" sz="1000" dirty="0" smtClean="0">
-                <a:latin typeface="Calisto MT"/>
+              <a:t>-</a:t>
+            </a:r>
+            <a:r>
+              <a:rPr lang="en-US" sz="700" dirty="0" err="1" smtClean="0">
+                <a:latin typeface="Montserrat"/>
               </a:rPr>
-              <a:t>See </a:t>
-            </a:r>
-            <a:r>
-              <a:rPr lang="en-US" sz="1000" dirty="0" smtClean="0">
-                <a:latin typeface="Calisto MT"/>
+              <a:t>ShareAlike</a:t>
+            </a:r>
+            <a:r>
+              <a:rPr lang="en-US" sz="700" dirty="0" smtClean="0">
+                <a:latin typeface="Montserrat"/>
+              </a:rPr>
+              <a:t> 4.0 International License</a:t>
+            </a:r>
+            <a:br>
+              <a:rPr lang="en-US" sz="700" dirty="0" smtClean="0">
+                <a:latin typeface="Montserrat"/>
+              </a:rPr>
+            </a:br>
+            <a:r>
+              <a:rPr lang="en-US" sz="700" dirty="0" smtClean="0">
+                <a:latin typeface="Montserrat"/>
+              </a:rPr>
+              <a:t>See  </a:t>
+            </a:r>
+            <a:r>
+              <a:rPr lang="en-US" sz="700" dirty="0" smtClean="0">
+                <a:latin typeface="Montserrat"/>
                 <a:hlinkClick r:id="rId13"/>
               </a:rPr>
-              <a:t>http://creativecommons.org/licenses/by-sa/3.0/</a:t>
-            </a:r>
-            <a:r>
-              <a:rPr lang="en-US" sz="1000" dirty="0" smtClean="0">
-                <a:latin typeface="Calisto MT"/>
+              <a:t>http://creativecommons.org/licenses/by-nc-sa/4.0/</a:t>
+            </a:r>
+            <a:r>
+              <a:rPr lang="en-US" sz="700" dirty="0" smtClean="0">
+                <a:latin typeface="Montserrat"/>
               </a:rPr>
               <a:t> </a:t>
             </a:r>
           </a:p>
-          <a:p>
-            <a:pPr algn="l" eaLnBrk="1" hangingPunct="1">
-              <a:defRPr/>
-            </a:pPr>
-            <a:endParaRPr lang="en-US" sz="1000" dirty="0" smtClean="0">
-              <a:latin typeface="Calisto MT"/>
-            </a:endParaRPr>
-          </a:p>
         </p:txBody>
       </p:sp>
       <p:pic>
         <p:nvPicPr>
-          <p:cNvPr id="24" name="Picture 23"/>
+          <p:cNvPr id="7" name="Picture 6"/>
           <p:cNvPicPr>
-            <a:picLocks noChangeAspect="1" noChangeArrowheads="1"/>
+            <a:picLocks noChangeAspect="1"/>
           </p:cNvPicPr>
           <p:nvPr userDrawn="1"/>
         </p:nvPicPr>
         <p:blipFill>
-          <a:blip r:embed="rId14">
-            <a:extLst>
-              <a:ext uri="{28A0092B-C50C-407E-A947-70E740481C1C}">
-                <a14:useLocalDpi xmlns:a14="http://schemas.microsoft.com/office/drawing/2010/main" val="0"/>
-              </a:ext>
-            </a:extLst>
-          </a:blip>
-          <a:srcRect/>
+          <a:blip r:embed="rId14"/>
           <a:stretch>
             <a:fillRect/>
           </a:stretch>
         </p:blipFill>
-        <p:spPr bwMode="auto">
+        <p:spPr>
           <a:xfrm>
-            <a:off x="320764" y="6254746"/>
-            <a:ext cx="725399" cy="258097"/>
+            <a:off x="375635" y="6428175"/>
+            <a:ext cx="792765" cy="279269"/>
           </a:xfrm>
           <a:prstGeom prst="rect">
             <a:avLst/>
           </a:prstGeom>
-          <a:noFill/>
-          <a:ln>
-            <a:noFill/>
-          </a:ln>
-          <a:extLst>
-            <a:ext uri="{909E8E84-426E-40dd-AFC4-6F175D3DCCD1}">
-              <a14:hiddenFill xmlns:a14="http://schemas.microsoft.com/office/drawing/2010/main">
-                <a:solidFill>
-                  <a:srgbClr val="FFFFFF"/>
-                </a:solidFill>
-              </a14:hiddenFill>
-            </a:ext>
-            <a:ext uri="{91240B29-F687-4f45-9708-019B960494DF}">
-              <a14:hiddenLine xmlns:a14="http://schemas.microsoft.com/office/drawing/2010/main" w="9525">
-                <a:solidFill>
-                  <a:srgbClr val="000000"/>
-                </a:solidFill>
-                <a:miter lim="800000"/>
-                <a:headEnd/>
-                <a:tailEnd/>
-              </a14:hiddenLine>
-            </a:ext>
-          </a:extLst>
         </p:spPr>
       </p:pic>
     </p:spTree>
@@ -3570,7 +3558,7 @@
           <a:solidFill>
             <a:schemeClr val="tx1"/>
           </a:solidFill>
-          <a:latin typeface="Calisto MT"/>
+          <a:latin typeface="Montserrat"/>
           <a:ea typeface="+mj-ea"/>
           <a:cs typeface="+mj-cs"/>
         </a:defRPr>
@@ -3587,7 +3575,7 @@
           <a:solidFill>
             <a:schemeClr val="tx1"/>
           </a:solidFill>
-          <a:latin typeface="Calisto MT"/>
+          <a:latin typeface="Montserrat"/>
           <a:ea typeface="+mn-ea"/>
           <a:cs typeface="+mn-cs"/>
         </a:defRPr>
@@ -3602,7 +3590,7 @@
           <a:solidFill>
             <a:schemeClr val="tx1"/>
           </a:solidFill>
-          <a:latin typeface="Calisto MT"/>
+          <a:latin typeface="Montserrat"/>
           <a:ea typeface="+mn-ea"/>
           <a:cs typeface="+mn-cs"/>
         </a:defRPr>
@@ -3617,7 +3605,7 @@
           <a:solidFill>
             <a:schemeClr val="tx1"/>
           </a:solidFill>
-          <a:latin typeface="Calisto MT"/>
+          <a:latin typeface="Montserrat"/>
           <a:ea typeface="+mn-ea"/>
           <a:cs typeface="+mn-cs"/>
         </a:defRPr>
@@ -3632,7 +3620,7 @@
           <a:solidFill>
             <a:schemeClr val="tx1"/>
           </a:solidFill>
-          <a:latin typeface="Calisto MT"/>
+          <a:latin typeface="Montserrat"/>
           <a:ea typeface="+mn-ea"/>
           <a:cs typeface="+mn-cs"/>
         </a:defRPr>
@@ -3647,7 +3635,7 @@
           <a:solidFill>
             <a:schemeClr val="tx1"/>
           </a:solidFill>
-          <a:latin typeface="Calisto MT"/>
+          <a:latin typeface="Montserrat"/>
           <a:ea typeface="+mn-ea"/>
           <a:cs typeface="+mn-cs"/>
         </a:defRPr>
@@ -3864,7 +3852,9 @@
         </p:nvSpPr>
         <p:spPr/>
         <p:txBody>
-          <a:bodyPr/>
+          <a:bodyPr>
+            <a:normAutofit fontScale="92500" lnSpcReduction="20000"/>
+          </a:bodyPr>
           <a:lstStyle/>
           <a:p>
             <a:r>
@@ -3930,124 +3920,6 @@
 </file>
 
 <file path=ppt/slides/slide10.xml><?xml version="1.0" encoding="utf-8"?>
-<p:sld xmlns:a="http://schemas.openxmlformats.org/drawingml/2006/main" xmlns:r="http://schemas.openxmlformats.org/officeDocument/2006/relationships" xmlns:p="http://schemas.openxmlformats.org/presentationml/2006/main">
-  <p:cSld>
-    <p:spTree>
-      <p:nvGrpSpPr>
-        <p:cNvPr id="1" name=""/>
-        <p:cNvGrpSpPr/>
-        <p:nvPr/>
-      </p:nvGrpSpPr>
-      <p:grpSpPr>
-        <a:xfrm>
-          <a:off x="0" y="0"/>
-          <a:ext cx="0" cy="0"/>
-          <a:chOff x="0" y="0"/>
-          <a:chExt cx="0" cy="0"/>
-        </a:xfrm>
-      </p:grpSpPr>
-      <p:sp>
-        <p:nvSpPr>
-          <p:cNvPr id="2" name="Title 1"/>
-          <p:cNvSpPr>
-            <a:spLocks noGrp="1"/>
-          </p:cNvSpPr>
-          <p:nvPr>
-            <p:ph type="title"/>
-          </p:nvPr>
-        </p:nvSpPr>
-        <p:spPr/>
-        <p:txBody>
-          <a:bodyPr/>
-          <a:lstStyle/>
-          <a:p>
-            <a:r>
-              <a:rPr lang="en-US" dirty="0" smtClean="0"/>
-              <a:t>Start with a Monolith?</a:t>
-            </a:r>
-            <a:endParaRPr lang="en-US" dirty="0"/>
-          </a:p>
-        </p:txBody>
-      </p:sp>
-      <p:pic>
-        <p:nvPicPr>
-          <p:cNvPr id="5" name="Picture 4"/>
-          <p:cNvPicPr>
-            <a:picLocks noChangeAspect="1"/>
-          </p:cNvPicPr>
-          <p:nvPr/>
-        </p:nvPicPr>
-        <p:blipFill>
-          <a:blip r:embed="rId2"/>
-          <a:stretch>
-            <a:fillRect/>
-          </a:stretch>
-        </p:blipFill>
-        <p:spPr>
-          <a:xfrm>
-            <a:off x="994536" y="1410991"/>
-            <a:ext cx="7383289" cy="4158026"/>
-          </a:xfrm>
-          <a:prstGeom prst="rect">
-            <a:avLst/>
-          </a:prstGeom>
-        </p:spPr>
-      </p:pic>
-      <p:sp>
-        <p:nvSpPr>
-          <p:cNvPr id="6" name="Rectangle 5"/>
-          <p:cNvSpPr/>
-          <p:nvPr/>
-        </p:nvSpPr>
-        <p:spPr>
-          <a:xfrm>
-            <a:off x="1582174" y="5722051"/>
-            <a:ext cx="5746796" cy="369332"/>
-          </a:xfrm>
-          <a:prstGeom prst="rect">
-            <a:avLst/>
-          </a:prstGeom>
-        </p:spPr>
-        <p:txBody>
-          <a:bodyPr wrap="square">
-            <a:spAutoFit/>
-          </a:bodyPr>
-          <a:lstStyle/>
-          <a:p>
-            <a:r>
-              <a:rPr lang="en-US" dirty="0">
-                <a:hlinkClick r:id="rId3"/>
-              </a:rPr>
-              <a:t>http://martinfowler.com/bliki/</a:t>
-            </a:r>
-            <a:r>
-              <a:rPr lang="en-US" dirty="0" smtClean="0">
-                <a:hlinkClick r:id="rId3"/>
-              </a:rPr>
-              <a:t>MonolithFirst.html</a:t>
-            </a:r>
-            <a:r>
-              <a:rPr lang="en-US" dirty="0" smtClean="0"/>
-              <a:t> </a:t>
-            </a:r>
-            <a:endParaRPr lang="en-US" dirty="0"/>
-          </a:p>
-        </p:txBody>
-      </p:sp>
-    </p:spTree>
-    <p:extLst>
-      <p:ext uri="{BB962C8B-B14F-4D97-AF65-F5344CB8AC3E}">
-        <p14:creationId xmlns:p14="http://schemas.microsoft.com/office/powerpoint/2010/main" val="901760246"/>
-      </p:ext>
-    </p:extLst>
-  </p:cSld>
-  <p:clrMapOvr>
-    <a:masterClrMapping/>
-  </p:clrMapOvr>
-</p:sld>
-</file>
-
-<file path=ppt/slides/slide11.xml><?xml version="1.0" encoding="utf-8"?>
 <p:sld xmlns:a="http://schemas.openxmlformats.org/drawingml/2006/main" xmlns:r="http://schemas.openxmlformats.org/officeDocument/2006/relationships" xmlns:p="http://schemas.openxmlformats.org/presentationml/2006/main">
   <p:cSld>
     <p:spTree>
@@ -4278,6 +4150,101 @@
 </p:sld>
 </file>
 
+<file path=ppt/slides/slide11.xml><?xml version="1.0" encoding="utf-8"?>
+<p:sld xmlns:a="http://schemas.openxmlformats.org/drawingml/2006/main" xmlns:r="http://schemas.openxmlformats.org/officeDocument/2006/relationships" xmlns:p="http://schemas.openxmlformats.org/presentationml/2006/main">
+  <p:cSld>
+    <p:spTree>
+      <p:nvGrpSpPr>
+        <p:cNvPr id="1" name=""/>
+        <p:cNvGrpSpPr/>
+        <p:nvPr/>
+      </p:nvGrpSpPr>
+      <p:grpSpPr>
+        <a:xfrm>
+          <a:off x="0" y="0"/>
+          <a:ext cx="0" cy="0"/>
+          <a:chOff x="0" y="0"/>
+          <a:chExt cx="0" cy="0"/>
+        </a:xfrm>
+      </p:grpSpPr>
+      <p:sp>
+        <p:nvSpPr>
+          <p:cNvPr id="2" name="Title 1"/>
+          <p:cNvSpPr>
+            <a:spLocks noGrp="1"/>
+          </p:cNvSpPr>
+          <p:nvPr>
+            <p:ph type="title"/>
+          </p:nvPr>
+        </p:nvSpPr>
+        <p:spPr/>
+        <p:txBody>
+          <a:bodyPr/>
+          <a:lstStyle/>
+          <a:p>
+            <a:r>
+              <a:rPr lang="en-US" dirty="0" smtClean="0"/>
+              <a:t>Real world examples</a:t>
+            </a:r>
+            <a:endParaRPr lang="en-US" dirty="0"/>
+          </a:p>
+        </p:txBody>
+      </p:sp>
+      <p:sp>
+        <p:nvSpPr>
+          <p:cNvPr id="3" name="Content Placeholder 2"/>
+          <p:cNvSpPr>
+            <a:spLocks noGrp="1"/>
+          </p:cNvSpPr>
+          <p:nvPr>
+            <p:ph idx="1"/>
+          </p:nvPr>
+        </p:nvSpPr>
+        <p:spPr/>
+        <p:txBody>
+          <a:bodyPr/>
+          <a:lstStyle/>
+          <a:p>
+            <a:r>
+              <a:rPr lang="en-US" dirty="0" smtClean="0"/>
+              <a:t>The previous case studies are in many cases </a:t>
+            </a:r>
+            <a:r>
+              <a:rPr lang="en-US" dirty="0" err="1" smtClean="0"/>
+              <a:t>microservices</a:t>
+            </a:r>
+            <a:endParaRPr lang="en-US" dirty="0"/>
+          </a:p>
+          <a:p>
+            <a:pPr lvl="1"/>
+            <a:r>
+              <a:rPr lang="en-US" dirty="0" smtClean="0"/>
+              <a:t>eBay, Netflix, Amazon</a:t>
+            </a:r>
+          </a:p>
+          <a:p>
+            <a:pPr lvl="1"/>
+            <a:r>
+              <a:rPr lang="en-US" dirty="0" smtClean="0"/>
+              <a:t>Many more out there and growing rapidly</a:t>
+            </a:r>
+            <a:endParaRPr lang="en-US" dirty="0"/>
+          </a:p>
+        </p:txBody>
+      </p:sp>
+    </p:spTree>
+    <p:extLst>
+      <p:ext uri="{BB962C8B-B14F-4D97-AF65-F5344CB8AC3E}">
+        <p14:creationId xmlns:p14="http://schemas.microsoft.com/office/powerpoint/2010/main" val="2068861624"/>
+      </p:ext>
+    </p:extLst>
+  </p:cSld>
+  <p:clrMapOvr>
+    <a:masterClrMapping/>
+  </p:clrMapOvr>
+</p:sld>
+</file>
+
 <file path=ppt/slides/slide12.xml><?xml version="1.0" encoding="utf-8"?>
 <p:sld xmlns:a="http://schemas.openxmlformats.org/drawingml/2006/main" xmlns:r="http://schemas.openxmlformats.org/officeDocument/2006/relationships" xmlns:p="http://schemas.openxmlformats.org/presentationml/2006/main">
   <p:cSld>
@@ -4312,7 +4279,7 @@
           <a:p>
             <a:r>
               <a:rPr lang="en-US" dirty="0" smtClean="0"/>
-              <a:t>Cons!</a:t>
+              <a:t>Polyglot</a:t>
             </a:r>
             <a:endParaRPr lang="en-US" dirty="0"/>
           </a:p>
@@ -4334,50 +4301,67 @@
           <a:lstStyle/>
           <a:p>
             <a:r>
-              <a:rPr lang="en-US" dirty="0" smtClean="0"/>
-              <a:t>Debugging</a:t>
-            </a:r>
-          </a:p>
-          <a:p>
-            <a:r>
-              <a:rPr lang="en-US" dirty="0" smtClean="0"/>
-              <a:t>Deployment and </a:t>
-            </a:r>
-            <a:r>
               <a:rPr lang="en-US" dirty="0" err="1" smtClean="0"/>
-              <a:t>devops</a:t>
-            </a:r>
-            <a:endParaRPr lang="en-US" dirty="0" smtClean="0"/>
-          </a:p>
-          <a:p>
-            <a:r>
-              <a:rPr lang="en-US" dirty="0" smtClean="0"/>
-              <a:t>Operations overhead</a:t>
-            </a:r>
-            <a:endParaRPr lang="en-US" dirty="0"/>
-          </a:p>
-          <a:p>
-            <a:r>
-              <a:rPr lang="en-US" dirty="0" smtClean="0"/>
-              <a:t>Implicit interfaces and contracts</a:t>
-            </a:r>
-          </a:p>
-          <a:p>
-            <a:r>
-              <a:rPr lang="en-US" dirty="0" smtClean="0"/>
-              <a:t>Latency</a:t>
-            </a:r>
-          </a:p>
-          <a:p>
-            <a:r>
-              <a:rPr lang="en-US" dirty="0" smtClean="0"/>
-              <a:t>Transactions</a:t>
-            </a:r>
-          </a:p>
-          <a:p>
-            <a:r>
-              <a:rPr lang="en-US" dirty="0" smtClean="0"/>
-              <a:t>Etc.!</a:t>
+              <a:t>Microservices</a:t>
+            </a:r>
+            <a:r>
+              <a:rPr lang="en-US" dirty="0" smtClean="0"/>
+              <a:t> can be built in multiple languages</a:t>
+            </a:r>
+          </a:p>
+          <a:p>
+            <a:pPr lvl="1"/>
+            <a:r>
+              <a:rPr lang="en-US" dirty="0" err="1" smtClean="0"/>
+              <a:t>Hackathon</a:t>
+            </a:r>
+            <a:r>
+              <a:rPr lang="en-US" dirty="0" smtClean="0"/>
+              <a:t> last year I built a simple app</a:t>
+            </a:r>
+          </a:p>
+          <a:p>
+            <a:pPr lvl="1"/>
+            <a:r>
+              <a:rPr lang="en-US" dirty="0" smtClean="0"/>
+              <a:t>Node, Python and MQTT</a:t>
+            </a:r>
+          </a:p>
+          <a:p>
+            <a:pPr lvl="1"/>
+            <a:r>
+              <a:rPr lang="en-US" dirty="0" smtClean="0"/>
+              <a:t>One day’s effort</a:t>
+            </a:r>
+          </a:p>
+          <a:p>
+            <a:pPr lvl="1"/>
+            <a:r>
+              <a:rPr lang="en-US" dirty="0" err="1" smtClean="0"/>
+              <a:t>Microservice</a:t>
+            </a:r>
+            <a:r>
+              <a:rPr lang="en-US" dirty="0" smtClean="0"/>
+              <a:t> architecture</a:t>
+            </a:r>
+          </a:p>
+          <a:p>
+            <a:pPr lvl="1"/>
+            <a:r>
+              <a:rPr lang="en-US" dirty="0">
+                <a:hlinkClick r:id="rId2"/>
+              </a:rPr>
+              <a:t>http://pzf.fremantle.org/2013/12/</a:t>
+            </a:r>
+            <a:r>
+              <a:rPr lang="en-US" dirty="0" smtClean="0">
+                <a:hlinkClick r:id="rId2"/>
+              </a:rPr>
+              <a:t>commshack.html</a:t>
+            </a:r>
+            <a:r>
+              <a:rPr lang="en-US" dirty="0" smtClean="0"/>
+              <a:t> </a:t>
             </a:r>
             <a:endParaRPr lang="en-US" dirty="0"/>
           </a:p>
@@ -4386,7 +4370,7 @@
     </p:spTree>
     <p:extLst>
       <p:ext uri="{BB962C8B-B14F-4D97-AF65-F5344CB8AC3E}">
-        <p14:creationId xmlns:p14="http://schemas.microsoft.com/office/powerpoint/2010/main" val="3805664123"/>
+        <p14:creationId xmlns:p14="http://schemas.microsoft.com/office/powerpoint/2010/main" val="2784334629"/>
       </p:ext>
     </p:extLst>
   </p:cSld>
@@ -4430,20 +4414,115 @@
           <a:p>
             <a:r>
               <a:rPr lang="en-US" dirty="0" smtClean="0"/>
-              <a:t>Smart endpoints and dumb pipes</a:t>
+              <a:t>Start with a Monolith?</a:t>
             </a:r>
             <a:endParaRPr lang="en-US" dirty="0"/>
           </a:p>
         </p:txBody>
       </p:sp>
-      <p:sp>
-        <p:nvSpPr>
-          <p:cNvPr id="3" name="Content Placeholder 2"/>
-          <p:cNvSpPr>
-            <a:spLocks noGrp="1"/>
-          </p:cNvSpPr>
-          <p:nvPr>
-            <p:ph idx="1"/>
+      <p:pic>
+        <p:nvPicPr>
+          <p:cNvPr id="5" name="Picture 4"/>
+          <p:cNvPicPr>
+            <a:picLocks noChangeAspect="1"/>
+          </p:cNvPicPr>
+          <p:nvPr/>
+        </p:nvPicPr>
+        <p:blipFill>
+          <a:blip r:embed="rId2"/>
+          <a:stretch>
+            <a:fillRect/>
+          </a:stretch>
+        </p:blipFill>
+        <p:spPr>
+          <a:xfrm>
+            <a:off x="994536" y="1410991"/>
+            <a:ext cx="7383289" cy="4158026"/>
+          </a:xfrm>
+          <a:prstGeom prst="rect">
+            <a:avLst/>
+          </a:prstGeom>
+        </p:spPr>
+      </p:pic>
+      <p:sp>
+        <p:nvSpPr>
+          <p:cNvPr id="6" name="Rectangle 5"/>
+          <p:cNvSpPr/>
+          <p:nvPr/>
+        </p:nvSpPr>
+        <p:spPr>
+          <a:xfrm>
+            <a:off x="1582174" y="5722051"/>
+            <a:ext cx="5746796" cy="369332"/>
+          </a:xfrm>
+          <a:prstGeom prst="rect">
+            <a:avLst/>
+          </a:prstGeom>
+        </p:spPr>
+        <p:txBody>
+          <a:bodyPr wrap="square">
+            <a:spAutoFit/>
+          </a:bodyPr>
+          <a:lstStyle/>
+          <a:p>
+            <a:r>
+              <a:rPr lang="en-US" dirty="0">
+                <a:hlinkClick r:id="rId3"/>
+              </a:rPr>
+              <a:t>http://martinfowler.com/bliki/</a:t>
+            </a:r>
+            <a:r>
+              <a:rPr lang="en-US" dirty="0" smtClean="0">
+                <a:hlinkClick r:id="rId3"/>
+              </a:rPr>
+              <a:t>MonolithFirst.html</a:t>
+            </a:r>
+            <a:r>
+              <a:rPr lang="en-US" dirty="0" smtClean="0"/>
+              <a:t> </a:t>
+            </a:r>
+            <a:endParaRPr lang="en-US" dirty="0"/>
+          </a:p>
+        </p:txBody>
+      </p:sp>
+    </p:spTree>
+    <p:extLst>
+      <p:ext uri="{BB962C8B-B14F-4D97-AF65-F5344CB8AC3E}">
+        <p14:creationId xmlns:p14="http://schemas.microsoft.com/office/powerpoint/2010/main" val="901760246"/>
+      </p:ext>
+    </p:extLst>
+  </p:cSld>
+  <p:clrMapOvr>
+    <a:masterClrMapping/>
+  </p:clrMapOvr>
+</p:sld>
+</file>
+
+<file path=ppt/slides/slide14.xml><?xml version="1.0" encoding="utf-8"?>
+<p:sld xmlns:a="http://schemas.openxmlformats.org/drawingml/2006/main" xmlns:r="http://schemas.openxmlformats.org/officeDocument/2006/relationships" xmlns:p="http://schemas.openxmlformats.org/presentationml/2006/main">
+  <p:cSld>
+    <p:spTree>
+      <p:nvGrpSpPr>
+        <p:cNvPr id="1" name=""/>
+        <p:cNvGrpSpPr/>
+        <p:nvPr/>
+      </p:nvGrpSpPr>
+      <p:grpSpPr>
+        <a:xfrm>
+          <a:off x="0" y="0"/>
+          <a:ext cx="0" cy="0"/>
+          <a:chOff x="0" y="0"/>
+          <a:chExt cx="0" cy="0"/>
+        </a:xfrm>
+      </p:grpSpPr>
+      <p:sp>
+        <p:nvSpPr>
+          <p:cNvPr id="2" name="Title 1"/>
+          <p:cNvSpPr>
+            <a:spLocks noGrp="1"/>
+          </p:cNvSpPr>
+          <p:nvPr>
+            <p:ph type="title"/>
           </p:nvPr>
         </p:nvSpPr>
         <p:spPr/>
@@ -4452,6 +4531,151 @@
           <a:lstStyle/>
           <a:p>
             <a:r>
+              <a:rPr lang="en-US" dirty="0" smtClean="0"/>
+              <a:t>Cons!</a:t>
+            </a:r>
+            <a:endParaRPr lang="en-US" dirty="0"/>
+          </a:p>
+        </p:txBody>
+      </p:sp>
+      <p:sp>
+        <p:nvSpPr>
+          <p:cNvPr id="3" name="Content Placeholder 2"/>
+          <p:cNvSpPr>
+            <a:spLocks noGrp="1"/>
+          </p:cNvSpPr>
+          <p:nvPr>
+            <p:ph idx="1"/>
+          </p:nvPr>
+        </p:nvSpPr>
+        <p:spPr/>
+        <p:txBody>
+          <a:bodyPr/>
+          <a:lstStyle/>
+          <a:p>
+            <a:r>
+              <a:rPr lang="en-US" dirty="0" smtClean="0"/>
+              <a:t>Debugging</a:t>
+            </a:r>
+          </a:p>
+          <a:p>
+            <a:r>
+              <a:rPr lang="en-US" dirty="0" smtClean="0"/>
+              <a:t>Deployment and </a:t>
+            </a:r>
+            <a:r>
+              <a:rPr lang="en-US" dirty="0" err="1" smtClean="0"/>
+              <a:t>devops</a:t>
+            </a:r>
+            <a:endParaRPr lang="en-US" dirty="0" smtClean="0"/>
+          </a:p>
+          <a:p>
+            <a:r>
+              <a:rPr lang="en-US" dirty="0" smtClean="0"/>
+              <a:t>Operations overhead</a:t>
+            </a:r>
+            <a:endParaRPr lang="en-US" dirty="0"/>
+          </a:p>
+          <a:p>
+            <a:r>
+              <a:rPr lang="en-US" dirty="0" smtClean="0"/>
+              <a:t>Implicit interfaces and contracts</a:t>
+            </a:r>
+          </a:p>
+          <a:p>
+            <a:r>
+              <a:rPr lang="en-US" dirty="0" smtClean="0"/>
+              <a:t>Latency</a:t>
+            </a:r>
+          </a:p>
+          <a:p>
+            <a:r>
+              <a:rPr lang="en-US" dirty="0" smtClean="0"/>
+              <a:t>Transactions</a:t>
+            </a:r>
+          </a:p>
+          <a:p>
+            <a:r>
+              <a:rPr lang="en-US" dirty="0" smtClean="0"/>
+              <a:t>Etc.!</a:t>
+            </a:r>
+            <a:endParaRPr lang="en-US" dirty="0"/>
+          </a:p>
+        </p:txBody>
+      </p:sp>
+    </p:spTree>
+    <p:extLst>
+      <p:ext uri="{BB962C8B-B14F-4D97-AF65-F5344CB8AC3E}">
+        <p14:creationId xmlns:p14="http://schemas.microsoft.com/office/powerpoint/2010/main" val="3805664123"/>
+      </p:ext>
+    </p:extLst>
+  </p:cSld>
+  <p:clrMapOvr>
+    <a:masterClrMapping/>
+  </p:clrMapOvr>
+</p:sld>
+</file>
+
+<file path=ppt/slides/slide15.xml><?xml version="1.0" encoding="utf-8"?>
+<p:sld xmlns:a="http://schemas.openxmlformats.org/drawingml/2006/main" xmlns:r="http://schemas.openxmlformats.org/officeDocument/2006/relationships" xmlns:p="http://schemas.openxmlformats.org/presentationml/2006/main">
+  <p:cSld>
+    <p:spTree>
+      <p:nvGrpSpPr>
+        <p:cNvPr id="1" name=""/>
+        <p:cNvGrpSpPr/>
+        <p:nvPr/>
+      </p:nvGrpSpPr>
+      <p:grpSpPr>
+        <a:xfrm>
+          <a:off x="0" y="0"/>
+          <a:ext cx="0" cy="0"/>
+          <a:chOff x="0" y="0"/>
+          <a:chExt cx="0" cy="0"/>
+        </a:xfrm>
+      </p:grpSpPr>
+      <p:sp>
+        <p:nvSpPr>
+          <p:cNvPr id="2" name="Title 1"/>
+          <p:cNvSpPr>
+            <a:spLocks noGrp="1"/>
+          </p:cNvSpPr>
+          <p:nvPr>
+            <p:ph type="title"/>
+          </p:nvPr>
+        </p:nvSpPr>
+        <p:spPr/>
+        <p:txBody>
+          <a:bodyPr>
+            <a:normAutofit fontScale="90000"/>
+          </a:bodyPr>
+          <a:lstStyle/>
+          <a:p>
+            <a:r>
+              <a:rPr lang="en-US" dirty="0" smtClean="0"/>
+              <a:t>Smart endpoints and dumb pipes</a:t>
+            </a:r>
+            <a:endParaRPr lang="en-US" dirty="0"/>
+          </a:p>
+        </p:txBody>
+      </p:sp>
+      <p:sp>
+        <p:nvSpPr>
+          <p:cNvPr id="3" name="Content Placeholder 2"/>
+          <p:cNvSpPr>
+            <a:spLocks noGrp="1"/>
+          </p:cNvSpPr>
+          <p:nvPr>
+            <p:ph idx="1"/>
+          </p:nvPr>
+        </p:nvSpPr>
+        <p:spPr/>
+        <p:txBody>
+          <a:bodyPr>
+            <a:normAutofit fontScale="92500"/>
+          </a:bodyPr>
+          <a:lstStyle/>
+          <a:p>
+            <a:r>
               <a:rPr lang="en-US" dirty="0" err="1" smtClean="0"/>
               <a:t>Microservices</a:t>
             </a:r>
@@ -4484,11 +4708,7 @@
             <a:pPr lvl="1"/>
             <a:r>
               <a:rPr lang="en-US" dirty="0" smtClean="0"/>
-              <a:t>But an API Gateway might </a:t>
-            </a:r>
-            <a:r>
-              <a:rPr lang="en-US" dirty="0" smtClean="0"/>
-              <a:t>be</a:t>
+              <a:t>But an API Gateway might be</a:t>
             </a:r>
             <a:endParaRPr lang="en-US" dirty="0"/>
           </a:p>
@@ -4498,7 +4718,6 @@
               <a:rPr lang="en-US" dirty="0" smtClean="0"/>
               <a:t>Don’t confuse the application architecture with the Enterprise architecture</a:t>
             </a:r>
-            <a:endParaRPr lang="en-US" dirty="0" smtClean="0"/>
           </a:p>
           <a:p>
             <a:pPr marL="457200" lvl="1" indent="0">
@@ -4521,7 +4740,7 @@
 </p:sld>
 </file>
 
-<file path=ppt/slides/slide14.xml><?xml version="1.0" encoding="utf-8"?>
+<file path=ppt/slides/slide16.xml><?xml version="1.0" encoding="utf-8"?>
 <p:sld xmlns:a="http://schemas.openxmlformats.org/drawingml/2006/main" xmlns:r="http://schemas.openxmlformats.org/officeDocument/2006/relationships" xmlns:p="http://schemas.openxmlformats.org/presentationml/2006/main">
   <p:cSld>
     <p:spTree>
@@ -6518,7 +6737,7 @@
 </p:sld>
 </file>
 
-<file path=ppt/slides/slide15.xml><?xml version="1.0" encoding="utf-8"?>
+<file path=ppt/slides/slide17.xml><?xml version="1.0" encoding="utf-8"?>
 <p:sld xmlns:a="http://schemas.openxmlformats.org/drawingml/2006/main" xmlns:r="http://schemas.openxmlformats.org/officeDocument/2006/relationships" xmlns:p="http://schemas.openxmlformats.org/presentationml/2006/main">
   <p:cSld>
     <p:spTree>
@@ -6547,7 +6766,9 @@
         </p:nvSpPr>
         <p:spPr/>
         <p:txBody>
-          <a:bodyPr/>
+          <a:bodyPr>
+            <a:normAutofit fontScale="90000"/>
+          </a:bodyPr>
           <a:lstStyle/>
           <a:p>
             <a:r>
@@ -6621,7 +6842,7 @@
 </p:sld>
 </file>
 
-<file path=ppt/slides/slide16.xml><?xml version="1.0" encoding="utf-8"?>
+<file path=ppt/slides/slide18.xml><?xml version="1.0" encoding="utf-8"?>
 <p:sld xmlns:a="http://schemas.openxmlformats.org/drawingml/2006/main" xmlns:r="http://schemas.openxmlformats.org/officeDocument/2006/relationships" xmlns:p="http://schemas.openxmlformats.org/presentationml/2006/main">
   <p:cSld>
     <p:spTree>
@@ -7015,7 +7236,7 @@
         <p:spPr/>
         <p:txBody>
           <a:bodyPr>
-            <a:normAutofit fontScale="77500" lnSpcReduction="20000"/>
+            <a:normAutofit fontScale="70000" lnSpcReduction="20000"/>
           </a:bodyPr>
           <a:lstStyle/>
           <a:p>
@@ -7431,7 +7652,7 @@
         <p:spPr/>
         <p:txBody>
           <a:bodyPr>
-            <a:normAutofit/>
+            <a:normAutofit fontScale="90000"/>
           </a:bodyPr>
           <a:lstStyle/>
           <a:p>
@@ -7459,7 +7680,9 @@
         </p:nvSpPr>
         <p:spPr/>
         <p:txBody>
-          <a:bodyPr/>
+          <a:bodyPr>
+            <a:normAutofit lnSpcReduction="10000"/>
+          </a:bodyPr>
           <a:lstStyle/>
           <a:p>
             <a:r>
@@ -7545,75 +7768,45 @@
           <a:chExt cx="0" cy="0"/>
         </a:xfrm>
       </p:grpSpPr>
-      <p:sp>
-        <p:nvSpPr>
-          <p:cNvPr id="2" name="Title 1"/>
-          <p:cNvSpPr>
-            <a:spLocks noGrp="1"/>
-          </p:cNvSpPr>
-          <p:nvPr>
-            <p:ph type="title"/>
-          </p:nvPr>
-        </p:nvSpPr>
-        <p:spPr/>
-        <p:txBody>
-          <a:bodyPr/>
-          <a:lstStyle/>
-          <a:p>
-            <a:r>
-              <a:rPr lang="en-US" dirty="0" smtClean="0"/>
-              <a:t>Real world examples</a:t>
-            </a:r>
-            <a:endParaRPr lang="en-US" dirty="0"/>
-          </a:p>
-        </p:txBody>
-      </p:sp>
-      <p:sp>
-        <p:nvSpPr>
-          <p:cNvPr id="3" name="Content Placeholder 2"/>
-          <p:cNvSpPr>
-            <a:spLocks noGrp="1"/>
-          </p:cNvSpPr>
-          <p:nvPr>
-            <p:ph idx="1"/>
-          </p:nvPr>
-        </p:nvSpPr>
-        <p:spPr/>
-        <p:txBody>
-          <a:bodyPr/>
-          <a:lstStyle/>
-          <a:p>
-            <a:r>
-              <a:rPr lang="en-US" dirty="0" smtClean="0"/>
-              <a:t>The previous case studies are in many cases </a:t>
-            </a:r>
-            <a:r>
-              <a:rPr lang="en-US" dirty="0" err="1" smtClean="0"/>
-              <a:t>microservices</a:t>
-            </a:r>
-            <a:endParaRPr lang="en-US" dirty="0"/>
-          </a:p>
-          <a:p>
-            <a:pPr lvl="1"/>
-            <a:r>
-              <a:rPr lang="en-US" dirty="0" smtClean="0"/>
-              <a:t>eBay, Netflix, Amazon</a:t>
-            </a:r>
-          </a:p>
-          <a:p>
-            <a:pPr lvl="1"/>
-            <a:r>
-              <a:rPr lang="en-US" dirty="0" smtClean="0"/>
-              <a:t>Many more out there and growing rapidly</a:t>
-            </a:r>
-            <a:endParaRPr lang="en-US" dirty="0"/>
-          </a:p>
-        </p:txBody>
-      </p:sp>
+      <p:pic>
+        <p:nvPicPr>
+          <p:cNvPr id="4" name="Picture 3" descr="nner and Outer Architecture">
+            <a:hlinkClick r:id="rId2"/>
+          </p:cNvPr>
+          <p:cNvPicPr/>
+          <p:nvPr/>
+        </p:nvPicPr>
+        <p:blipFill>
+          <a:blip r:embed="rId3">
+            <a:extLst>
+              <a:ext uri="{28A0092B-C50C-407E-A947-70E740481C1C}">
+                <a14:useLocalDpi xmlns:a14="http://schemas.microsoft.com/office/drawing/2010/main" val="0"/>
+              </a:ext>
+            </a:extLst>
+          </a:blip>
+          <a:srcRect/>
+          <a:stretch>
+            <a:fillRect/>
+          </a:stretch>
+        </p:blipFill>
+        <p:spPr bwMode="auto">
+          <a:xfrm>
+            <a:off x="522111" y="221544"/>
+            <a:ext cx="8029222" cy="5874456"/>
+          </a:xfrm>
+          <a:prstGeom prst="rect">
+            <a:avLst/>
+          </a:prstGeom>
+          <a:noFill/>
+          <a:ln>
+            <a:noFill/>
+          </a:ln>
+        </p:spPr>
+      </p:pic>
     </p:spTree>
     <p:extLst>
       <p:ext uri="{BB962C8B-B14F-4D97-AF65-F5344CB8AC3E}">
-        <p14:creationId xmlns:p14="http://schemas.microsoft.com/office/powerpoint/2010/main" val="2068861624"/>
+        <p14:creationId xmlns:p14="http://schemas.microsoft.com/office/powerpoint/2010/main" val="894192371"/>
       </p:ext>
     </p:extLst>
   </p:cSld>
@@ -7640,115 +7833,34 @@
           <a:chExt cx="0" cy="0"/>
         </a:xfrm>
       </p:grpSpPr>
-      <p:sp>
-        <p:nvSpPr>
-          <p:cNvPr id="2" name="Title 1"/>
-          <p:cNvSpPr>
-            <a:spLocks noGrp="1"/>
-          </p:cNvSpPr>
-          <p:nvPr>
-            <p:ph type="title"/>
-          </p:nvPr>
-        </p:nvSpPr>
-        <p:spPr/>
-        <p:txBody>
-          <a:bodyPr/>
-          <a:lstStyle/>
-          <a:p>
-            <a:r>
-              <a:rPr lang="en-US" dirty="0" smtClean="0"/>
-              <a:t>Polyglot</a:t>
-            </a:r>
-            <a:endParaRPr lang="en-US" dirty="0"/>
-          </a:p>
-        </p:txBody>
-      </p:sp>
-      <p:sp>
-        <p:nvSpPr>
-          <p:cNvPr id="3" name="Content Placeholder 2"/>
-          <p:cNvSpPr>
-            <a:spLocks noGrp="1"/>
-          </p:cNvSpPr>
-          <p:nvPr>
-            <p:ph idx="1"/>
-          </p:nvPr>
-        </p:nvSpPr>
-        <p:spPr/>
-        <p:txBody>
-          <a:bodyPr/>
-          <a:lstStyle/>
-          <a:p>
-            <a:r>
-              <a:rPr lang="en-US" dirty="0" err="1" smtClean="0"/>
-              <a:t>Microservices</a:t>
-            </a:r>
-            <a:r>
-              <a:rPr lang="en-US" dirty="0" smtClean="0"/>
-              <a:t> can be built in multiple languages</a:t>
-            </a:r>
-          </a:p>
-          <a:p>
-            <a:pPr lvl="1"/>
-            <a:r>
-              <a:rPr lang="en-US" dirty="0" err="1" smtClean="0"/>
-              <a:t>Hackathon</a:t>
-            </a:r>
-            <a:r>
-              <a:rPr lang="en-US" dirty="0" smtClean="0"/>
-              <a:t> last year I built a simple app</a:t>
-            </a:r>
-          </a:p>
-          <a:p>
-            <a:pPr lvl="1"/>
-            <a:r>
-              <a:rPr lang="en-US" dirty="0" smtClean="0"/>
-              <a:t>Node, Python and MQTT</a:t>
-            </a:r>
-          </a:p>
-          <a:p>
-            <a:pPr lvl="1"/>
-            <a:r>
-              <a:rPr lang="en-US" dirty="0" smtClean="0"/>
-              <a:t>One day’s effort</a:t>
-            </a:r>
-          </a:p>
-          <a:p>
-            <a:pPr lvl="1"/>
-            <a:r>
-              <a:rPr lang="en-US" dirty="0" err="1" smtClean="0"/>
-              <a:t>Microservice</a:t>
-            </a:r>
-            <a:r>
-              <a:rPr lang="en-US" dirty="0" smtClean="0"/>
-              <a:t> architecture</a:t>
-            </a:r>
-          </a:p>
-          <a:p>
-            <a:pPr lvl="1"/>
-            <a:r>
-              <a:rPr lang="en-US" dirty="0">
-                <a:hlinkClick r:id="rId2"/>
-              </a:rPr>
-              <a:t>http://pzf.fremantle.org/2013/12/</a:t>
-            </a:r>
-            <a:r>
-              <a:rPr lang="en-US" dirty="0" smtClean="0">
-                <a:hlinkClick r:id="rId2"/>
-              </a:rPr>
-              <a:t>commshack.html</a:t>
-            </a:r>
-            <a:r>
-              <a:rPr lang="en-US" dirty="0" smtClean="0"/>
-              <a:t> </a:t>
-            </a:r>
-            <a:endParaRPr lang="en-US" dirty="0"/>
-          </a:p>
-        </p:txBody>
-      </p:sp>
+      <p:pic>
+        <p:nvPicPr>
+          <p:cNvPr id="5" name="Picture 4"/>
+          <p:cNvPicPr>
+            <a:picLocks noChangeAspect="1"/>
+          </p:cNvPicPr>
+          <p:nvPr/>
+        </p:nvPicPr>
+        <p:blipFill>
+          <a:blip r:embed="rId2"/>
+          <a:stretch>
+            <a:fillRect/>
+          </a:stretch>
+        </p:blipFill>
+        <p:spPr>
+          <a:xfrm>
+            <a:off x="0" y="127000"/>
+            <a:ext cx="9144000" cy="6598882"/>
+          </a:xfrm>
+          <a:prstGeom prst="rect">
+            <a:avLst/>
+          </a:prstGeom>
+        </p:spPr>
+      </p:pic>
     </p:spTree>
     <p:extLst>
       <p:ext uri="{BB962C8B-B14F-4D97-AF65-F5344CB8AC3E}">
-        <p14:creationId xmlns:p14="http://schemas.microsoft.com/office/powerpoint/2010/main" val="2784334629"/>
+        <p14:creationId xmlns:p14="http://schemas.microsoft.com/office/powerpoint/2010/main" val="1792047295"/>
       </p:ext>
     </p:extLst>
   </p:cSld>

--- a/presentation-source/08-Microservices.pptx
+++ b/presentation-source/08-Microservices.pptx
@@ -5,7 +5,7 @@
     <p:sldMasterId id="2147483648" r:id="rId1"/>
   </p:sldMasterIdLst>
   <p:notesMasterIdLst>
-    <p:notesMasterId r:id="rId20"/>
+    <p:notesMasterId r:id="rId21"/>
   </p:notesMasterIdLst>
   <p:sldIdLst>
     <p:sldId id="256" r:id="rId2"/>
@@ -14,18 +14,19 @@
     <p:sldId id="258" r:id="rId5"/>
     <p:sldId id="260" r:id="rId6"/>
     <p:sldId id="261" r:id="rId7"/>
-    <p:sldId id="262" r:id="rId8"/>
-    <p:sldId id="273" r:id="rId9"/>
-    <p:sldId id="275" r:id="rId10"/>
-    <p:sldId id="270" r:id="rId11"/>
-    <p:sldId id="263" r:id="rId12"/>
-    <p:sldId id="264" r:id="rId13"/>
-    <p:sldId id="269" r:id="rId14"/>
-    <p:sldId id="265" r:id="rId15"/>
-    <p:sldId id="266" r:id="rId16"/>
-    <p:sldId id="272" r:id="rId17"/>
-    <p:sldId id="267" r:id="rId18"/>
-    <p:sldId id="268" r:id="rId19"/>
+    <p:sldId id="276" r:id="rId8"/>
+    <p:sldId id="262" r:id="rId9"/>
+    <p:sldId id="273" r:id="rId10"/>
+    <p:sldId id="275" r:id="rId11"/>
+    <p:sldId id="270" r:id="rId12"/>
+    <p:sldId id="263" r:id="rId13"/>
+    <p:sldId id="264" r:id="rId14"/>
+    <p:sldId id="269" r:id="rId15"/>
+    <p:sldId id="265" r:id="rId16"/>
+    <p:sldId id="266" r:id="rId17"/>
+    <p:sldId id="272" r:id="rId18"/>
+    <p:sldId id="267" r:id="rId19"/>
+    <p:sldId id="268" r:id="rId20"/>
   </p:sldIdLst>
   <p:sldSz cx="9144000" cy="6858000" type="screen4x3"/>
   <p:notesSz cx="6858000" cy="9144000"/>
@@ -214,7 +215,7 @@
             <a:fld id="{7307762F-A706-E543-A832-3C298AA3103F}" type="datetimeFigureOut">
               <a:rPr lang="en-US" smtClean="0"/>
               <a:pPr/>
-              <a:t>10/06/16</a:t>
+              <a:t>27/02/17</a:t>
             </a:fld>
             <a:endParaRPr lang="en-US" dirty="0"/>
           </a:p>
@@ -781,7 +782,7 @@
           <a:p>
             <a:fld id="{875CF0EB-321F-0749-B37A-89BBA859503C}" type="datetimeFigureOut">
               <a:rPr lang="en-US" smtClean="0"/>
-              <a:t>10/06/16</a:t>
+              <a:t>27/02/17</a:t>
             </a:fld>
             <a:endParaRPr lang="en-US"/>
           </a:p>
@@ -985,7 +986,7 @@
           <a:p>
             <a:fld id="{875CF0EB-321F-0749-B37A-89BBA859503C}" type="datetimeFigureOut">
               <a:rPr lang="en-US" smtClean="0"/>
-              <a:t>10/06/16</a:t>
+              <a:t>27/02/17</a:t>
             </a:fld>
             <a:endParaRPr lang="en-US"/>
           </a:p>
@@ -1179,7 +1180,7 @@
           <a:p>
             <a:fld id="{875CF0EB-321F-0749-B37A-89BBA859503C}" type="datetimeFigureOut">
               <a:rPr lang="en-US" smtClean="0"/>
-              <a:t>10/06/16</a:t>
+              <a:t>27/02/17</a:t>
             </a:fld>
             <a:endParaRPr lang="en-US"/>
           </a:p>
@@ -1449,7 +1450,7 @@
           <a:p>
             <a:fld id="{875CF0EB-321F-0749-B37A-89BBA859503C}" type="datetimeFigureOut">
               <a:rPr lang="en-US" smtClean="0"/>
-              <a:t>10/06/16</a:t>
+              <a:t>27/02/17</a:t>
             </a:fld>
             <a:endParaRPr lang="en-US"/>
           </a:p>
@@ -1761,7 +1762,7 @@
           <a:p>
             <a:fld id="{875CF0EB-321F-0749-B37A-89BBA859503C}" type="datetimeFigureOut">
               <a:rPr lang="en-US" smtClean="0"/>
-              <a:t>10/06/16</a:t>
+              <a:t>27/02/17</a:t>
             </a:fld>
             <a:endParaRPr lang="en-US"/>
           </a:p>
@@ -2207,7 +2208,7 @@
           <a:p>
             <a:fld id="{875CF0EB-321F-0749-B37A-89BBA859503C}" type="datetimeFigureOut">
               <a:rPr lang="en-US" smtClean="0"/>
-              <a:t>10/06/16</a:t>
+              <a:t>27/02/17</a:t>
             </a:fld>
             <a:endParaRPr lang="en-US"/>
           </a:p>
@@ -2349,7 +2350,7 @@
           <a:p>
             <a:fld id="{875CF0EB-321F-0749-B37A-89BBA859503C}" type="datetimeFigureOut">
               <a:rPr lang="en-US" smtClean="0"/>
-              <a:t>10/06/16</a:t>
+              <a:t>27/02/17</a:t>
             </a:fld>
             <a:endParaRPr lang="en-US"/>
           </a:p>
@@ -2468,7 +2469,7 @@
           <a:p>
             <a:fld id="{875CF0EB-321F-0749-B37A-89BBA859503C}" type="datetimeFigureOut">
               <a:rPr lang="en-US" smtClean="0"/>
-              <a:t>10/06/16</a:t>
+              <a:t>27/02/17</a:t>
             </a:fld>
             <a:endParaRPr lang="en-US"/>
           </a:p>
@@ -2769,7 +2770,7 @@
           <a:p>
             <a:fld id="{875CF0EB-321F-0749-B37A-89BBA859503C}" type="datetimeFigureOut">
               <a:rPr lang="en-US" smtClean="0"/>
-              <a:t>10/06/16</a:t>
+              <a:t>27/02/17</a:t>
             </a:fld>
             <a:endParaRPr lang="en-US"/>
           </a:p>
@@ -3046,7 +3047,7 @@
           <a:p>
             <a:fld id="{875CF0EB-321F-0749-B37A-89BBA859503C}" type="datetimeFigureOut">
               <a:rPr lang="en-US" smtClean="0"/>
-              <a:t>10/06/16</a:t>
+              <a:t>27/02/17</a:t>
             </a:fld>
             <a:endParaRPr lang="en-US"/>
           </a:p>
@@ -3426,19 +3427,7 @@
               <a:rPr lang="en-US" sz="700" dirty="0" smtClean="0">
                 <a:latin typeface="Montserrat"/>
               </a:rPr>
-              <a:t>© Paul Fremantle </a:t>
-            </a:r>
-            <a:r>
-              <a:rPr lang="en-US" sz="700" dirty="0" smtClean="0">
-                <a:latin typeface="Montserrat"/>
-              </a:rPr>
-              <a:t>2016 except where credited elsewhere. </a:t>
-            </a:r>
-            <a:r>
-              <a:rPr lang="en-US" sz="700" dirty="0" smtClean="0">
-                <a:latin typeface="Montserrat"/>
-              </a:rPr>
-              <a:t> This work is licensed under a Creative Commons</a:t>
+              <a:t>© Paul Fremantle 2016 except where credited elsewhere.  This work is licensed under a Creative Commons</a:t>
             </a:r>
           </a:p>
           <a:p>
@@ -3936,6 +3925,60 @@
           <a:chExt cx="0" cy="0"/>
         </a:xfrm>
       </p:grpSpPr>
+      <p:pic>
+        <p:nvPicPr>
+          <p:cNvPr id="5" name="Picture 4"/>
+          <p:cNvPicPr>
+            <a:picLocks noChangeAspect="1"/>
+          </p:cNvPicPr>
+          <p:nvPr/>
+        </p:nvPicPr>
+        <p:blipFill>
+          <a:blip r:embed="rId2"/>
+          <a:stretch>
+            <a:fillRect/>
+          </a:stretch>
+        </p:blipFill>
+        <p:spPr>
+          <a:xfrm>
+            <a:off x="0" y="127000"/>
+            <a:ext cx="9144000" cy="6598882"/>
+          </a:xfrm>
+          <a:prstGeom prst="rect">
+            <a:avLst/>
+          </a:prstGeom>
+        </p:spPr>
+      </p:pic>
+    </p:spTree>
+    <p:extLst>
+      <p:ext uri="{BB962C8B-B14F-4D97-AF65-F5344CB8AC3E}">
+        <p14:creationId xmlns:p14="http://schemas.microsoft.com/office/powerpoint/2010/main" val="1792047295"/>
+      </p:ext>
+    </p:extLst>
+  </p:cSld>
+  <p:clrMapOvr>
+    <a:masterClrMapping/>
+  </p:clrMapOvr>
+</p:sld>
+</file>
+
+<file path=ppt/slides/slide11.xml><?xml version="1.0" encoding="utf-8"?>
+<p:sld xmlns:a="http://schemas.openxmlformats.org/drawingml/2006/main" xmlns:r="http://schemas.openxmlformats.org/officeDocument/2006/relationships" xmlns:p="http://schemas.openxmlformats.org/presentationml/2006/main">
+  <p:cSld>
+    <p:spTree>
+      <p:nvGrpSpPr>
+        <p:cNvPr id="1" name=""/>
+        <p:cNvGrpSpPr/>
+        <p:nvPr/>
+      </p:nvGrpSpPr>
+      <p:grpSpPr>
+        <a:xfrm>
+          <a:off x="0" y="0"/>
+          <a:ext cx="0" cy="0"/>
+          <a:chOff x="0" y="0"/>
+          <a:chExt cx="0" cy="0"/>
+        </a:xfrm>
+      </p:grpSpPr>
       <p:sp>
         <p:nvSpPr>
           <p:cNvPr id="2" name="Title 1"/>
@@ -4150,101 +4193,6 @@
 </p:sld>
 </file>
 
-<file path=ppt/slides/slide11.xml><?xml version="1.0" encoding="utf-8"?>
-<p:sld xmlns:a="http://schemas.openxmlformats.org/drawingml/2006/main" xmlns:r="http://schemas.openxmlformats.org/officeDocument/2006/relationships" xmlns:p="http://schemas.openxmlformats.org/presentationml/2006/main">
-  <p:cSld>
-    <p:spTree>
-      <p:nvGrpSpPr>
-        <p:cNvPr id="1" name=""/>
-        <p:cNvGrpSpPr/>
-        <p:nvPr/>
-      </p:nvGrpSpPr>
-      <p:grpSpPr>
-        <a:xfrm>
-          <a:off x="0" y="0"/>
-          <a:ext cx="0" cy="0"/>
-          <a:chOff x="0" y="0"/>
-          <a:chExt cx="0" cy="0"/>
-        </a:xfrm>
-      </p:grpSpPr>
-      <p:sp>
-        <p:nvSpPr>
-          <p:cNvPr id="2" name="Title 1"/>
-          <p:cNvSpPr>
-            <a:spLocks noGrp="1"/>
-          </p:cNvSpPr>
-          <p:nvPr>
-            <p:ph type="title"/>
-          </p:nvPr>
-        </p:nvSpPr>
-        <p:spPr/>
-        <p:txBody>
-          <a:bodyPr/>
-          <a:lstStyle/>
-          <a:p>
-            <a:r>
-              <a:rPr lang="en-US" dirty="0" smtClean="0"/>
-              <a:t>Real world examples</a:t>
-            </a:r>
-            <a:endParaRPr lang="en-US" dirty="0"/>
-          </a:p>
-        </p:txBody>
-      </p:sp>
-      <p:sp>
-        <p:nvSpPr>
-          <p:cNvPr id="3" name="Content Placeholder 2"/>
-          <p:cNvSpPr>
-            <a:spLocks noGrp="1"/>
-          </p:cNvSpPr>
-          <p:nvPr>
-            <p:ph idx="1"/>
-          </p:nvPr>
-        </p:nvSpPr>
-        <p:spPr/>
-        <p:txBody>
-          <a:bodyPr/>
-          <a:lstStyle/>
-          <a:p>
-            <a:r>
-              <a:rPr lang="en-US" dirty="0" smtClean="0"/>
-              <a:t>The previous case studies are in many cases </a:t>
-            </a:r>
-            <a:r>
-              <a:rPr lang="en-US" dirty="0" err="1" smtClean="0"/>
-              <a:t>microservices</a:t>
-            </a:r>
-            <a:endParaRPr lang="en-US" dirty="0"/>
-          </a:p>
-          <a:p>
-            <a:pPr lvl="1"/>
-            <a:r>
-              <a:rPr lang="en-US" dirty="0" smtClean="0"/>
-              <a:t>eBay, Netflix, Amazon</a:t>
-            </a:r>
-          </a:p>
-          <a:p>
-            <a:pPr lvl="1"/>
-            <a:r>
-              <a:rPr lang="en-US" dirty="0" smtClean="0"/>
-              <a:t>Many more out there and growing rapidly</a:t>
-            </a:r>
-            <a:endParaRPr lang="en-US" dirty="0"/>
-          </a:p>
-        </p:txBody>
-      </p:sp>
-    </p:spTree>
-    <p:extLst>
-      <p:ext uri="{BB962C8B-B14F-4D97-AF65-F5344CB8AC3E}">
-        <p14:creationId xmlns:p14="http://schemas.microsoft.com/office/powerpoint/2010/main" val="2068861624"/>
-      </p:ext>
-    </p:extLst>
-  </p:cSld>
-  <p:clrMapOvr>
-    <a:masterClrMapping/>
-  </p:clrMapOvr>
-</p:sld>
-</file>
-
 <file path=ppt/slides/slide12.xml><?xml version="1.0" encoding="utf-8"?>
 <p:sld xmlns:a="http://schemas.openxmlformats.org/drawingml/2006/main" xmlns:r="http://schemas.openxmlformats.org/officeDocument/2006/relationships" xmlns:p="http://schemas.openxmlformats.org/presentationml/2006/main">
   <p:cSld>
@@ -4279,7 +4227,7 @@
           <a:p>
             <a:r>
               <a:rPr lang="en-US" dirty="0" smtClean="0"/>
-              <a:t>Polyglot</a:t>
+              <a:t>Real world examples</a:t>
             </a:r>
             <a:endParaRPr lang="en-US" dirty="0"/>
           </a:p>
@@ -4301,67 +4249,27 @@
           <a:lstStyle/>
           <a:p>
             <a:r>
+              <a:rPr lang="en-US" dirty="0" smtClean="0"/>
+              <a:t>The previous case studies are in many cases </a:t>
+            </a:r>
+            <a:r>
               <a:rPr lang="en-US" dirty="0" err="1" smtClean="0"/>
-              <a:t>Microservices</a:t>
-            </a:r>
-            <a:r>
-              <a:rPr lang="en-US" dirty="0" smtClean="0"/>
-              <a:t> can be built in multiple languages</a:t>
-            </a:r>
+              <a:t>microservices</a:t>
+            </a:r>
+            <a:endParaRPr lang="en-US" dirty="0"/>
           </a:p>
           <a:p>
             <a:pPr lvl="1"/>
             <a:r>
-              <a:rPr lang="en-US" dirty="0" err="1" smtClean="0"/>
-              <a:t>Hackathon</a:t>
-            </a:r>
-            <a:r>
-              <a:rPr lang="en-US" dirty="0" smtClean="0"/>
-              <a:t> last year I built a simple app</a:t>
+              <a:rPr lang="en-US" dirty="0" smtClean="0"/>
+              <a:t>eBay, Netflix, Amazon</a:t>
             </a:r>
           </a:p>
           <a:p>
             <a:pPr lvl="1"/>
             <a:r>
               <a:rPr lang="en-US" dirty="0" smtClean="0"/>
-              <a:t>Node, Python and MQTT</a:t>
-            </a:r>
-          </a:p>
-          <a:p>
-            <a:pPr lvl="1"/>
-            <a:r>
-              <a:rPr lang="en-US" dirty="0" smtClean="0"/>
-              <a:t>One day’s effort</a:t>
-            </a:r>
-          </a:p>
-          <a:p>
-            <a:pPr lvl="1"/>
-            <a:r>
-              <a:rPr lang="en-US" dirty="0" err="1" smtClean="0"/>
-              <a:t>Microservice</a:t>
-            </a:r>
-            <a:r>
-              <a:rPr lang="en-US" dirty="0" smtClean="0"/>
-              <a:t> architecture</a:t>
-            </a:r>
-          </a:p>
-          <a:p>
-            <a:pPr lvl="1"/>
-            <a:r>
-              <a:rPr lang="en-US" dirty="0">
-                <a:hlinkClick r:id="rId2"/>
-              </a:rPr>
-              <a:t>http://pzf.fremantle.org/2013/12/</a:t>
-            </a:r>
-            <a:r>
-              <a:rPr lang="en-US" dirty="0" smtClean="0">
-                <a:hlinkClick r:id="rId2"/>
-              </a:rPr>
-              <a:t>commshack.html</a:t>
-            </a:r>
-            <a:r>
-              <a:rPr lang="en-US" dirty="0" smtClean="0"/>
-              <a:t> </a:t>
+              <a:t>Many more out there and growing rapidly</a:t>
             </a:r>
             <a:endParaRPr lang="en-US" dirty="0"/>
           </a:p>
@@ -4370,7 +4278,7 @@
     </p:spTree>
     <p:extLst>
       <p:ext uri="{BB962C8B-B14F-4D97-AF65-F5344CB8AC3E}">
-        <p14:creationId xmlns:p14="http://schemas.microsoft.com/office/powerpoint/2010/main" val="2784334629"/>
+        <p14:creationId xmlns:p14="http://schemas.microsoft.com/office/powerpoint/2010/main" val="2068861624"/>
       </p:ext>
     </p:extLst>
   </p:cSld>
@@ -4414,68 +4322,85 @@
           <a:p>
             <a:r>
               <a:rPr lang="en-US" dirty="0" smtClean="0"/>
-              <a:t>Start with a Monolith?</a:t>
+              <a:t>Polyglot</a:t>
             </a:r>
             <a:endParaRPr lang="en-US" dirty="0"/>
           </a:p>
         </p:txBody>
       </p:sp>
-      <p:pic>
-        <p:nvPicPr>
-          <p:cNvPr id="5" name="Picture 4"/>
-          <p:cNvPicPr>
-            <a:picLocks noChangeAspect="1"/>
-          </p:cNvPicPr>
-          <p:nvPr/>
-        </p:nvPicPr>
-        <p:blipFill>
-          <a:blip r:embed="rId2"/>
-          <a:stretch>
-            <a:fillRect/>
-          </a:stretch>
-        </p:blipFill>
-        <p:spPr>
-          <a:xfrm>
-            <a:off x="994536" y="1410991"/>
-            <a:ext cx="7383289" cy="4158026"/>
-          </a:xfrm>
-          <a:prstGeom prst="rect">
-            <a:avLst/>
-          </a:prstGeom>
-        </p:spPr>
-      </p:pic>
-      <p:sp>
-        <p:nvSpPr>
-          <p:cNvPr id="6" name="Rectangle 5"/>
-          <p:cNvSpPr/>
-          <p:nvPr/>
-        </p:nvSpPr>
-        <p:spPr>
-          <a:xfrm>
-            <a:off x="1582174" y="5722051"/>
-            <a:ext cx="5746796" cy="369332"/>
-          </a:xfrm>
-          <a:prstGeom prst="rect">
-            <a:avLst/>
-          </a:prstGeom>
-        </p:spPr>
-        <p:txBody>
-          <a:bodyPr wrap="square">
-            <a:spAutoFit/>
-          </a:bodyPr>
+      <p:sp>
+        <p:nvSpPr>
+          <p:cNvPr id="3" name="Content Placeholder 2"/>
+          <p:cNvSpPr>
+            <a:spLocks noGrp="1"/>
+          </p:cNvSpPr>
+          <p:nvPr>
+            <p:ph idx="1"/>
+          </p:nvPr>
+        </p:nvSpPr>
+        <p:spPr/>
+        <p:txBody>
+          <a:bodyPr/>
           <a:lstStyle/>
           <a:p>
             <a:r>
+              <a:rPr lang="en-US" dirty="0" err="1" smtClean="0"/>
+              <a:t>Microservices</a:t>
+            </a:r>
+            <a:r>
+              <a:rPr lang="en-US" dirty="0" smtClean="0"/>
+              <a:t> can be built in multiple languages</a:t>
+            </a:r>
+          </a:p>
+          <a:p>
+            <a:pPr lvl="1"/>
+            <a:r>
+              <a:rPr lang="en-US" dirty="0" err="1" smtClean="0"/>
+              <a:t>Hackathon</a:t>
+            </a:r>
+            <a:r>
+              <a:rPr lang="en-US" dirty="0" smtClean="0"/>
+              <a:t> last year I built a simple app</a:t>
+            </a:r>
+          </a:p>
+          <a:p>
+            <a:pPr lvl="1"/>
+            <a:r>
+              <a:rPr lang="en-US" dirty="0" smtClean="0"/>
+              <a:t>Node, Python and MQTT</a:t>
+            </a:r>
+          </a:p>
+          <a:p>
+            <a:pPr lvl="1"/>
+            <a:r>
+              <a:rPr lang="en-US" dirty="0" smtClean="0"/>
+              <a:t>One day’s effort</a:t>
+            </a:r>
+          </a:p>
+          <a:p>
+            <a:pPr lvl="1"/>
+            <a:r>
+              <a:rPr lang="en-US" dirty="0" err="1" smtClean="0"/>
+              <a:t>Microservice</a:t>
+            </a:r>
+            <a:r>
+              <a:rPr lang="en-US" dirty="0" smtClean="0"/>
+              <a:t> architecture</a:t>
+            </a:r>
+          </a:p>
+          <a:p>
+            <a:pPr lvl="1"/>
+            <a:r>
               <a:rPr lang="en-US" dirty="0">
-                <a:hlinkClick r:id="rId3"/>
+                <a:hlinkClick r:id="rId2"/>
               </a:rPr>
-              <a:t>http://martinfowler.com/bliki/</a:t>
+              <a:t>http://pzf.fremantle.org/2013/12/</a:t>
             </a:r>
             <a:r>
               <a:rPr lang="en-US" dirty="0" smtClean="0">
-                <a:hlinkClick r:id="rId3"/>
+                <a:hlinkClick r:id="rId2"/>
               </a:rPr>
-              <a:t>MonolithFirst.html</a:t>
+              <a:t>commshack.html</a:t>
             </a:r>
             <a:r>
               <a:rPr lang="en-US" dirty="0" smtClean="0"/>
@@ -4488,7 +4413,7 @@
     </p:spTree>
     <p:extLst>
       <p:ext uri="{BB962C8B-B14F-4D97-AF65-F5344CB8AC3E}">
-        <p14:creationId xmlns:p14="http://schemas.microsoft.com/office/powerpoint/2010/main" val="901760246"/>
+        <p14:creationId xmlns:p14="http://schemas.microsoft.com/office/powerpoint/2010/main" val="2784334629"/>
       </p:ext>
     </p:extLst>
   </p:cSld>
@@ -4532,72 +4457,72 @@
           <a:p>
             <a:r>
               <a:rPr lang="en-US" dirty="0" smtClean="0"/>
-              <a:t>Cons!</a:t>
+              <a:t>Start with a Monolith?</a:t>
             </a:r>
             <a:endParaRPr lang="en-US" dirty="0"/>
           </a:p>
         </p:txBody>
       </p:sp>
-      <p:sp>
-        <p:nvSpPr>
-          <p:cNvPr id="3" name="Content Placeholder 2"/>
-          <p:cNvSpPr>
-            <a:spLocks noGrp="1"/>
-          </p:cNvSpPr>
-          <p:nvPr>
-            <p:ph idx="1"/>
-          </p:nvPr>
-        </p:nvSpPr>
-        <p:spPr/>
-        <p:txBody>
-          <a:bodyPr/>
+      <p:pic>
+        <p:nvPicPr>
+          <p:cNvPr id="5" name="Picture 4"/>
+          <p:cNvPicPr>
+            <a:picLocks noChangeAspect="1"/>
+          </p:cNvPicPr>
+          <p:nvPr/>
+        </p:nvPicPr>
+        <p:blipFill>
+          <a:blip r:embed="rId2"/>
+          <a:stretch>
+            <a:fillRect/>
+          </a:stretch>
+        </p:blipFill>
+        <p:spPr>
+          <a:xfrm>
+            <a:off x="994536" y="1410991"/>
+            <a:ext cx="7383289" cy="4158026"/>
+          </a:xfrm>
+          <a:prstGeom prst="rect">
+            <a:avLst/>
+          </a:prstGeom>
+        </p:spPr>
+      </p:pic>
+      <p:sp>
+        <p:nvSpPr>
+          <p:cNvPr id="6" name="Rectangle 5"/>
+          <p:cNvSpPr/>
+          <p:nvPr/>
+        </p:nvSpPr>
+        <p:spPr>
+          <a:xfrm>
+            <a:off x="1582174" y="5722051"/>
+            <a:ext cx="5746796" cy="369332"/>
+          </a:xfrm>
+          <a:prstGeom prst="rect">
+            <a:avLst/>
+          </a:prstGeom>
+        </p:spPr>
+        <p:txBody>
+          <a:bodyPr wrap="square">
+            <a:spAutoFit/>
+          </a:bodyPr>
           <a:lstStyle/>
           <a:p>
             <a:r>
-              <a:rPr lang="en-US" dirty="0" smtClean="0"/>
-              <a:t>Debugging</a:t>
-            </a:r>
-          </a:p>
-          <a:p>
-            <a:r>
-              <a:rPr lang="en-US" dirty="0" smtClean="0"/>
-              <a:t>Deployment and </a:t>
-            </a:r>
-            <a:r>
-              <a:rPr lang="en-US" dirty="0" err="1" smtClean="0"/>
-              <a:t>devops</a:t>
-            </a:r>
-            <a:endParaRPr lang="en-US" dirty="0" smtClean="0"/>
-          </a:p>
-          <a:p>
-            <a:r>
-              <a:rPr lang="en-US" dirty="0" smtClean="0"/>
-              <a:t>Operations overhead</a:t>
-            </a:r>
-            <a:endParaRPr lang="en-US" dirty="0"/>
-          </a:p>
-          <a:p>
-            <a:r>
-              <a:rPr lang="en-US" dirty="0" smtClean="0"/>
-              <a:t>Implicit interfaces and contracts</a:t>
-            </a:r>
-          </a:p>
-          <a:p>
-            <a:r>
-              <a:rPr lang="en-US" dirty="0" smtClean="0"/>
-              <a:t>Latency</a:t>
-            </a:r>
-          </a:p>
-          <a:p>
-            <a:r>
-              <a:rPr lang="en-US" dirty="0" smtClean="0"/>
-              <a:t>Transactions</a:t>
-            </a:r>
-          </a:p>
-          <a:p>
-            <a:r>
-              <a:rPr lang="en-US" dirty="0" smtClean="0"/>
-              <a:t>Etc.!</a:t>
+              <a:rPr lang="en-US" dirty="0">
+                <a:hlinkClick r:id="rId3"/>
+              </a:rPr>
+              <a:t>http://martinfowler.com/bliki/</a:t>
+            </a:r>
+            <a:r>
+              <a:rPr lang="en-US" dirty="0" smtClean="0">
+                <a:hlinkClick r:id="rId3"/>
+              </a:rPr>
+              <a:t>MonolithFirst.html</a:t>
+            </a:r>
+            <a:r>
+              <a:rPr lang="en-US" dirty="0" smtClean="0"/>
+              <a:t> </a:t>
             </a:r>
             <a:endParaRPr lang="en-US" dirty="0"/>
           </a:p>
@@ -4606,7 +4531,7 @@
     </p:spTree>
     <p:extLst>
       <p:ext uri="{BB962C8B-B14F-4D97-AF65-F5344CB8AC3E}">
-        <p14:creationId xmlns:p14="http://schemas.microsoft.com/office/powerpoint/2010/main" val="3805664123"/>
+        <p14:creationId xmlns:p14="http://schemas.microsoft.com/office/powerpoint/2010/main" val="901760246"/>
       </p:ext>
     </p:extLst>
   </p:cSld>
@@ -4645,6 +4570,124 @@
         </p:nvSpPr>
         <p:spPr/>
         <p:txBody>
+          <a:bodyPr/>
+          <a:lstStyle/>
+          <a:p>
+            <a:r>
+              <a:rPr lang="en-US" dirty="0" smtClean="0"/>
+              <a:t>Cons!</a:t>
+            </a:r>
+            <a:endParaRPr lang="en-US" dirty="0"/>
+          </a:p>
+        </p:txBody>
+      </p:sp>
+      <p:sp>
+        <p:nvSpPr>
+          <p:cNvPr id="3" name="Content Placeholder 2"/>
+          <p:cNvSpPr>
+            <a:spLocks noGrp="1"/>
+          </p:cNvSpPr>
+          <p:nvPr>
+            <p:ph idx="1"/>
+          </p:nvPr>
+        </p:nvSpPr>
+        <p:spPr/>
+        <p:txBody>
+          <a:bodyPr/>
+          <a:lstStyle/>
+          <a:p>
+            <a:r>
+              <a:rPr lang="en-US" dirty="0" smtClean="0"/>
+              <a:t>Debugging</a:t>
+            </a:r>
+          </a:p>
+          <a:p>
+            <a:r>
+              <a:rPr lang="en-US" dirty="0" smtClean="0"/>
+              <a:t>Deployment and </a:t>
+            </a:r>
+            <a:r>
+              <a:rPr lang="en-US" dirty="0" err="1" smtClean="0"/>
+              <a:t>devops</a:t>
+            </a:r>
+            <a:endParaRPr lang="en-US" dirty="0" smtClean="0"/>
+          </a:p>
+          <a:p>
+            <a:r>
+              <a:rPr lang="en-US" dirty="0" smtClean="0"/>
+              <a:t>Operations overhead</a:t>
+            </a:r>
+            <a:endParaRPr lang="en-US" dirty="0"/>
+          </a:p>
+          <a:p>
+            <a:r>
+              <a:rPr lang="en-US" dirty="0" smtClean="0"/>
+              <a:t>Implicit interfaces and contracts</a:t>
+            </a:r>
+          </a:p>
+          <a:p>
+            <a:r>
+              <a:rPr lang="en-US" dirty="0" smtClean="0"/>
+              <a:t>Latency</a:t>
+            </a:r>
+          </a:p>
+          <a:p>
+            <a:r>
+              <a:rPr lang="en-US" dirty="0" smtClean="0"/>
+              <a:t>Transactions</a:t>
+            </a:r>
+          </a:p>
+          <a:p>
+            <a:r>
+              <a:rPr lang="en-US" dirty="0" smtClean="0"/>
+              <a:t>Etc.!</a:t>
+            </a:r>
+            <a:endParaRPr lang="en-US" dirty="0"/>
+          </a:p>
+        </p:txBody>
+      </p:sp>
+    </p:spTree>
+    <p:extLst>
+      <p:ext uri="{BB962C8B-B14F-4D97-AF65-F5344CB8AC3E}">
+        <p14:creationId xmlns:p14="http://schemas.microsoft.com/office/powerpoint/2010/main" val="3805664123"/>
+      </p:ext>
+    </p:extLst>
+  </p:cSld>
+  <p:clrMapOvr>
+    <a:masterClrMapping/>
+  </p:clrMapOvr>
+</p:sld>
+</file>
+
+<file path=ppt/slides/slide16.xml><?xml version="1.0" encoding="utf-8"?>
+<p:sld xmlns:a="http://schemas.openxmlformats.org/drawingml/2006/main" xmlns:r="http://schemas.openxmlformats.org/officeDocument/2006/relationships" xmlns:p="http://schemas.openxmlformats.org/presentationml/2006/main">
+  <p:cSld>
+    <p:spTree>
+      <p:nvGrpSpPr>
+        <p:cNvPr id="1" name=""/>
+        <p:cNvGrpSpPr/>
+        <p:nvPr/>
+      </p:nvGrpSpPr>
+      <p:grpSpPr>
+        <a:xfrm>
+          <a:off x="0" y="0"/>
+          <a:ext cx="0" cy="0"/>
+          <a:chOff x="0" y="0"/>
+          <a:chExt cx="0" cy="0"/>
+        </a:xfrm>
+      </p:grpSpPr>
+      <p:sp>
+        <p:nvSpPr>
+          <p:cNvPr id="2" name="Title 1"/>
+          <p:cNvSpPr>
+            <a:spLocks noGrp="1"/>
+          </p:cNvSpPr>
+          <p:nvPr>
+            <p:ph type="title"/>
+          </p:nvPr>
+        </p:nvSpPr>
+        <p:spPr/>
+        <p:txBody>
           <a:bodyPr>
             <a:normAutofit fontScale="90000"/>
           </a:bodyPr>
@@ -4740,7 +4783,7 @@
 </p:sld>
 </file>
 
-<file path=ppt/slides/slide16.xml><?xml version="1.0" encoding="utf-8"?>
+<file path=ppt/slides/slide17.xml><?xml version="1.0" encoding="utf-8"?>
 <p:sld xmlns:a="http://schemas.openxmlformats.org/drawingml/2006/main" xmlns:r="http://schemas.openxmlformats.org/officeDocument/2006/relationships" xmlns:p="http://schemas.openxmlformats.org/presentationml/2006/main">
   <p:cSld>
     <p:spTree>
@@ -6737,7 +6780,7 @@
 </p:sld>
 </file>
 
-<file path=ppt/slides/slide17.xml><?xml version="1.0" encoding="utf-8"?>
+<file path=ppt/slides/slide18.xml><?xml version="1.0" encoding="utf-8"?>
 <p:sld xmlns:a="http://schemas.openxmlformats.org/drawingml/2006/main" xmlns:r="http://schemas.openxmlformats.org/officeDocument/2006/relationships" xmlns:p="http://schemas.openxmlformats.org/presentationml/2006/main">
   <p:cSld>
     <p:spTree>
@@ -6842,7 +6885,7 @@
 </p:sld>
 </file>
 
-<file path=ppt/slides/slide18.xml><?xml version="1.0" encoding="utf-8"?>
+<file path=ppt/slides/slide19.xml><?xml version="1.0" encoding="utf-8"?>
 <p:sld xmlns:a="http://schemas.openxmlformats.org/drawingml/2006/main" xmlns:r="http://schemas.openxmlformats.org/officeDocument/2006/relationships" xmlns:p="http://schemas.openxmlformats.org/presentationml/2006/main">
   <p:cSld>
     <p:spTree>
@@ -7639,6 +7682,60 @@
           <a:chExt cx="0" cy="0"/>
         </a:xfrm>
       </p:grpSpPr>
+      <p:pic>
+        <p:nvPicPr>
+          <p:cNvPr id="4" name="Picture 3"/>
+          <p:cNvPicPr>
+            <a:picLocks noChangeAspect="1"/>
+          </p:cNvPicPr>
+          <p:nvPr/>
+        </p:nvPicPr>
+        <p:blipFill>
+          <a:blip r:embed="rId2"/>
+          <a:stretch>
+            <a:fillRect/>
+          </a:stretch>
+        </p:blipFill>
+        <p:spPr>
+          <a:xfrm>
+            <a:off x="558800" y="2159000"/>
+            <a:ext cx="8013700" cy="2527300"/>
+          </a:xfrm>
+          <a:prstGeom prst="rect">
+            <a:avLst/>
+          </a:prstGeom>
+        </p:spPr>
+      </p:pic>
+    </p:spTree>
+    <p:extLst>
+      <p:ext uri="{BB962C8B-B14F-4D97-AF65-F5344CB8AC3E}">
+        <p14:creationId xmlns:p14="http://schemas.microsoft.com/office/powerpoint/2010/main" val="3178762170"/>
+      </p:ext>
+    </p:extLst>
+  </p:cSld>
+  <p:clrMapOvr>
+    <a:masterClrMapping/>
+  </p:clrMapOvr>
+</p:sld>
+</file>
+
+<file path=ppt/slides/slide8.xml><?xml version="1.0" encoding="utf-8"?>
+<p:sld xmlns:a="http://schemas.openxmlformats.org/drawingml/2006/main" xmlns:r="http://schemas.openxmlformats.org/officeDocument/2006/relationships" xmlns:p="http://schemas.openxmlformats.org/presentationml/2006/main">
+  <p:cSld>
+    <p:spTree>
+      <p:nvGrpSpPr>
+        <p:cNvPr id="1" name=""/>
+        <p:cNvGrpSpPr/>
+        <p:nvPr/>
+      </p:nvGrpSpPr>
+      <p:grpSpPr>
+        <a:xfrm>
+          <a:off x="0" y="0"/>
+          <a:ext cx="0" cy="0"/>
+          <a:chOff x="0" y="0"/>
+          <a:chExt cx="0" cy="0"/>
+        </a:xfrm>
+      </p:grpSpPr>
       <p:sp>
         <p:nvSpPr>
           <p:cNvPr id="2" name="Title 1"/>
@@ -7751,7 +7848,7 @@
 </p:sld>
 </file>
 
-<file path=ppt/slides/slide8.xml><?xml version="1.0" encoding="utf-8"?>
+<file path=ppt/slides/slide9.xml><?xml version="1.0" encoding="utf-8"?>
 <p:sld xmlns:a="http://schemas.openxmlformats.org/drawingml/2006/main" xmlns:r="http://schemas.openxmlformats.org/officeDocument/2006/relationships" xmlns:p="http://schemas.openxmlformats.org/presentationml/2006/main">
   <p:cSld>
     <p:spTree>
@@ -7807,60 +7904,6 @@
     <p:extLst>
       <p:ext uri="{BB962C8B-B14F-4D97-AF65-F5344CB8AC3E}">
         <p14:creationId xmlns:p14="http://schemas.microsoft.com/office/powerpoint/2010/main" val="894192371"/>
-      </p:ext>
-    </p:extLst>
-  </p:cSld>
-  <p:clrMapOvr>
-    <a:masterClrMapping/>
-  </p:clrMapOvr>
-</p:sld>
-</file>
-
-<file path=ppt/slides/slide9.xml><?xml version="1.0" encoding="utf-8"?>
-<p:sld xmlns:a="http://schemas.openxmlformats.org/drawingml/2006/main" xmlns:r="http://schemas.openxmlformats.org/officeDocument/2006/relationships" xmlns:p="http://schemas.openxmlformats.org/presentationml/2006/main">
-  <p:cSld>
-    <p:spTree>
-      <p:nvGrpSpPr>
-        <p:cNvPr id="1" name=""/>
-        <p:cNvGrpSpPr/>
-        <p:nvPr/>
-      </p:nvGrpSpPr>
-      <p:grpSpPr>
-        <a:xfrm>
-          <a:off x="0" y="0"/>
-          <a:ext cx="0" cy="0"/>
-          <a:chOff x="0" y="0"/>
-          <a:chExt cx="0" cy="0"/>
-        </a:xfrm>
-      </p:grpSpPr>
-      <p:pic>
-        <p:nvPicPr>
-          <p:cNvPr id="5" name="Picture 4"/>
-          <p:cNvPicPr>
-            <a:picLocks noChangeAspect="1"/>
-          </p:cNvPicPr>
-          <p:nvPr/>
-        </p:nvPicPr>
-        <p:blipFill>
-          <a:blip r:embed="rId2"/>
-          <a:stretch>
-            <a:fillRect/>
-          </a:stretch>
-        </p:blipFill>
-        <p:spPr>
-          <a:xfrm>
-            <a:off x="0" y="127000"/>
-            <a:ext cx="9144000" cy="6598882"/>
-          </a:xfrm>
-          <a:prstGeom prst="rect">
-            <a:avLst/>
-          </a:prstGeom>
-        </p:spPr>
-      </p:pic>
-    </p:spTree>
-    <p:extLst>
-      <p:ext uri="{BB962C8B-B14F-4D97-AF65-F5344CB8AC3E}">
-        <p14:creationId xmlns:p14="http://schemas.microsoft.com/office/powerpoint/2010/main" val="1792047295"/>
       </p:ext>
     </p:extLst>
   </p:cSld>

--- a/presentation-source/08-Microservices.pptx
+++ b/presentation-source/08-Microservices.pptx
@@ -215,7 +215,7 @@
             <a:fld id="{7307762F-A706-E543-A832-3C298AA3103F}" type="datetimeFigureOut">
               <a:rPr lang="en-US" smtClean="0"/>
               <a:pPr/>
-              <a:t>27/02/17</a:t>
+              <a:t>07/05/17</a:t>
             </a:fld>
             <a:endParaRPr lang="en-US" dirty="0"/>
           </a:p>
@@ -782,7 +782,7 @@
           <a:p>
             <a:fld id="{875CF0EB-321F-0749-B37A-89BBA859503C}" type="datetimeFigureOut">
               <a:rPr lang="en-US" smtClean="0"/>
-              <a:t>27/02/17</a:t>
+              <a:t>07/05/17</a:t>
             </a:fld>
             <a:endParaRPr lang="en-US"/>
           </a:p>
@@ -986,7 +986,7 @@
           <a:p>
             <a:fld id="{875CF0EB-321F-0749-B37A-89BBA859503C}" type="datetimeFigureOut">
               <a:rPr lang="en-US" smtClean="0"/>
-              <a:t>27/02/17</a:t>
+              <a:t>07/05/17</a:t>
             </a:fld>
             <a:endParaRPr lang="en-US"/>
           </a:p>
@@ -1180,7 +1180,7 @@
           <a:p>
             <a:fld id="{875CF0EB-321F-0749-B37A-89BBA859503C}" type="datetimeFigureOut">
               <a:rPr lang="en-US" smtClean="0"/>
-              <a:t>27/02/17</a:t>
+              <a:t>07/05/17</a:t>
             </a:fld>
             <a:endParaRPr lang="en-US"/>
           </a:p>
@@ -1450,7 +1450,7 @@
           <a:p>
             <a:fld id="{875CF0EB-321F-0749-B37A-89BBA859503C}" type="datetimeFigureOut">
               <a:rPr lang="en-US" smtClean="0"/>
-              <a:t>27/02/17</a:t>
+              <a:t>07/05/17</a:t>
             </a:fld>
             <a:endParaRPr lang="en-US"/>
           </a:p>
@@ -1762,7 +1762,7 @@
           <a:p>
             <a:fld id="{875CF0EB-321F-0749-B37A-89BBA859503C}" type="datetimeFigureOut">
               <a:rPr lang="en-US" smtClean="0"/>
-              <a:t>27/02/17</a:t>
+              <a:t>07/05/17</a:t>
             </a:fld>
             <a:endParaRPr lang="en-US"/>
           </a:p>
@@ -2208,7 +2208,7 @@
           <a:p>
             <a:fld id="{875CF0EB-321F-0749-B37A-89BBA859503C}" type="datetimeFigureOut">
               <a:rPr lang="en-US" smtClean="0"/>
-              <a:t>27/02/17</a:t>
+              <a:t>07/05/17</a:t>
             </a:fld>
             <a:endParaRPr lang="en-US"/>
           </a:p>
@@ -2350,7 +2350,7 @@
           <a:p>
             <a:fld id="{875CF0EB-321F-0749-B37A-89BBA859503C}" type="datetimeFigureOut">
               <a:rPr lang="en-US" smtClean="0"/>
-              <a:t>27/02/17</a:t>
+              <a:t>07/05/17</a:t>
             </a:fld>
             <a:endParaRPr lang="en-US"/>
           </a:p>
@@ -2469,7 +2469,7 @@
           <a:p>
             <a:fld id="{875CF0EB-321F-0749-B37A-89BBA859503C}" type="datetimeFigureOut">
               <a:rPr lang="en-US" smtClean="0"/>
-              <a:t>27/02/17</a:t>
+              <a:t>07/05/17</a:t>
             </a:fld>
             <a:endParaRPr lang="en-US"/>
           </a:p>
@@ -2770,7 +2770,7 @@
           <a:p>
             <a:fld id="{875CF0EB-321F-0749-B37A-89BBA859503C}" type="datetimeFigureOut">
               <a:rPr lang="en-US" smtClean="0"/>
-              <a:t>27/02/17</a:t>
+              <a:t>07/05/17</a:t>
             </a:fld>
             <a:endParaRPr lang="en-US"/>
           </a:p>
@@ -3047,7 +3047,7 @@
           <a:p>
             <a:fld id="{875CF0EB-321F-0749-B37A-89BBA859503C}" type="datetimeFigureOut">
               <a:rPr lang="en-US" smtClean="0"/>
-              <a:t>27/02/17</a:t>
+              <a:t>07/05/17</a:t>
             </a:fld>
             <a:endParaRPr lang="en-US"/>
           </a:p>
@@ -3876,12 +3876,14 @@
           </a:p>
           <a:p>
             <a:r>
-              <a:rPr lang="en-US" dirty="0" smtClean="0">
+              <a:rPr lang="en-US" smtClean="0">
                 <a:ea typeface="ヒラギノ角ゴ ProN W3" charset="0"/>
                 <a:cs typeface="ヒラギノ角ゴ ProN W3" charset="0"/>
               </a:rPr>
-              <a:t>June 2016</a:t>
-            </a:r>
+              <a:t>May 2017</a:t>
+            </a:r>
+          </a:p>
+          <a:p>
             <a:endParaRPr lang="en-US" dirty="0">
               <a:ea typeface="ヒラギノ角ゴ ProN W3" charset="0"/>
               <a:cs typeface="ヒラギノ角ゴ ProN W3" charset="0"/>
@@ -7613,7 +7615,7 @@
             <a:pPr lvl="1"/>
             <a:r>
               <a:rPr lang="en-US" dirty="0" smtClean="0"/>
-              <a:t>Even if you are the only developer!</a:t>
+              <a:t>Separation of concern</a:t>
             </a:r>
           </a:p>
           <a:p>
@@ -7698,8 +7700,8 @@
         </p:blipFill>
         <p:spPr>
           <a:xfrm>
-            <a:off x="558800" y="2159000"/>
-            <a:ext cx="8013700" cy="2527300"/>
+            <a:off x="0" y="1918369"/>
+            <a:ext cx="9516400" cy="3001210"/>
           </a:xfrm>
           <a:prstGeom prst="rect">
             <a:avLst/>

--- a/presentation-source/08-Microservices.pptx
+++ b/presentation-source/08-Microservices.pptx
@@ -5,7 +5,7 @@
     <p:sldMasterId id="2147483648" r:id="rId1"/>
   </p:sldMasterIdLst>
   <p:notesMasterIdLst>
-    <p:notesMasterId r:id="rId21"/>
+    <p:notesMasterId r:id="rId26"/>
   </p:notesMasterIdLst>
   <p:sldIdLst>
     <p:sldId id="256" r:id="rId2"/>
@@ -26,7 +26,12 @@
     <p:sldId id="266" r:id="rId17"/>
     <p:sldId id="272" r:id="rId18"/>
     <p:sldId id="267" r:id="rId19"/>
-    <p:sldId id="268" r:id="rId20"/>
+    <p:sldId id="277" r:id="rId20"/>
+    <p:sldId id="278" r:id="rId21"/>
+    <p:sldId id="279" r:id="rId22"/>
+    <p:sldId id="280" r:id="rId23"/>
+    <p:sldId id="281" r:id="rId24"/>
+    <p:sldId id="268" r:id="rId25"/>
   </p:sldIdLst>
   <p:sldSz cx="9144000" cy="6858000" type="screen4x3"/>
   <p:notesSz cx="6858000" cy="9144000"/>
@@ -215,7 +220,7 @@
             <a:fld id="{7307762F-A706-E543-A832-3C298AA3103F}" type="datetimeFigureOut">
               <a:rPr lang="en-US" smtClean="0"/>
               <a:pPr/>
-              <a:t>07/05/17</a:t>
+              <a:t>18/12/17</a:t>
             </a:fld>
             <a:endParaRPr lang="en-US" dirty="0"/>
           </a:p>
@@ -782,7 +787,7 @@
           <a:p>
             <a:fld id="{875CF0EB-321F-0749-B37A-89BBA859503C}" type="datetimeFigureOut">
               <a:rPr lang="en-US" smtClean="0"/>
-              <a:t>07/05/17</a:t>
+              <a:t>18/12/17</a:t>
             </a:fld>
             <a:endParaRPr lang="en-US"/>
           </a:p>
@@ -986,7 +991,7 @@
           <a:p>
             <a:fld id="{875CF0EB-321F-0749-B37A-89BBA859503C}" type="datetimeFigureOut">
               <a:rPr lang="en-US" smtClean="0"/>
-              <a:t>07/05/17</a:t>
+              <a:t>18/12/17</a:t>
             </a:fld>
             <a:endParaRPr lang="en-US"/>
           </a:p>
@@ -1180,7 +1185,7 @@
           <a:p>
             <a:fld id="{875CF0EB-321F-0749-B37A-89BBA859503C}" type="datetimeFigureOut">
               <a:rPr lang="en-US" smtClean="0"/>
-              <a:t>07/05/17</a:t>
+              <a:t>18/12/17</a:t>
             </a:fld>
             <a:endParaRPr lang="en-US"/>
           </a:p>
@@ -1450,7 +1455,7 @@
           <a:p>
             <a:fld id="{875CF0EB-321F-0749-B37A-89BBA859503C}" type="datetimeFigureOut">
               <a:rPr lang="en-US" smtClean="0"/>
-              <a:t>07/05/17</a:t>
+              <a:t>18/12/17</a:t>
             </a:fld>
             <a:endParaRPr lang="en-US"/>
           </a:p>
@@ -1762,7 +1767,7 @@
           <a:p>
             <a:fld id="{875CF0EB-321F-0749-B37A-89BBA859503C}" type="datetimeFigureOut">
               <a:rPr lang="en-US" smtClean="0"/>
-              <a:t>07/05/17</a:t>
+              <a:t>18/12/17</a:t>
             </a:fld>
             <a:endParaRPr lang="en-US"/>
           </a:p>
@@ -2208,7 +2213,7 @@
           <a:p>
             <a:fld id="{875CF0EB-321F-0749-B37A-89BBA859503C}" type="datetimeFigureOut">
               <a:rPr lang="en-US" smtClean="0"/>
-              <a:t>07/05/17</a:t>
+              <a:t>18/12/17</a:t>
             </a:fld>
             <a:endParaRPr lang="en-US"/>
           </a:p>
@@ -2350,7 +2355,7 @@
           <a:p>
             <a:fld id="{875CF0EB-321F-0749-B37A-89BBA859503C}" type="datetimeFigureOut">
               <a:rPr lang="en-US" smtClean="0"/>
-              <a:t>07/05/17</a:t>
+              <a:t>18/12/17</a:t>
             </a:fld>
             <a:endParaRPr lang="en-US"/>
           </a:p>
@@ -2469,7 +2474,7 @@
           <a:p>
             <a:fld id="{875CF0EB-321F-0749-B37A-89BBA859503C}" type="datetimeFigureOut">
               <a:rPr lang="en-US" smtClean="0"/>
-              <a:t>07/05/17</a:t>
+              <a:t>18/12/17</a:t>
             </a:fld>
             <a:endParaRPr lang="en-US"/>
           </a:p>
@@ -2770,7 +2775,7 @@
           <a:p>
             <a:fld id="{875CF0EB-321F-0749-B37A-89BBA859503C}" type="datetimeFigureOut">
               <a:rPr lang="en-US" smtClean="0"/>
-              <a:t>07/05/17</a:t>
+              <a:t>18/12/17</a:t>
             </a:fld>
             <a:endParaRPr lang="en-US"/>
           </a:p>
@@ -3047,7 +3052,7 @@
           <a:p>
             <a:fld id="{875CF0EB-321F-0749-B37A-89BBA859503C}" type="datetimeFigureOut">
               <a:rPr lang="en-US" smtClean="0"/>
-              <a:t>07/05/17</a:t>
+              <a:t>18/12/17</a:t>
             </a:fld>
             <a:endParaRPr lang="en-US"/>
           </a:p>
@@ -3876,12 +3881,16 @@
           </a:p>
           <a:p>
             <a:r>
-              <a:rPr lang="en-US" smtClean="0">
+              <a:rPr lang="en-US" dirty="0" smtClean="0">
                 <a:ea typeface="ヒラギノ角ゴ ProN W3" charset="0"/>
                 <a:cs typeface="ヒラギノ角ゴ ProN W3" charset="0"/>
               </a:rPr>
-              <a:t>May 2017</a:t>
-            </a:r>
+              <a:t>January 2018</a:t>
+            </a:r>
+            <a:endParaRPr lang="en-US" dirty="0" smtClean="0">
+              <a:ea typeface="ヒラギノ角ゴ ProN W3" charset="0"/>
+              <a:cs typeface="ヒラギノ角ゴ ProN W3" charset="0"/>
+            </a:endParaRPr>
           </a:p>
           <a:p>
             <a:endParaRPr lang="en-US" dirty="0">
@@ -6884,6 +6893,13 @@
   <p:clrMapOvr>
     <a:masterClrMapping/>
   </p:clrMapOvr>
+  <p:timing>
+    <p:tnLst>
+      <p:par>
+        <p:cTn xmlns:p14="http://schemas.microsoft.com/office/powerpoint/2010/main" id="1" dur="indefinite" restart="never" nodeType="tmRoot"/>
+      </p:par>
+    </p:tnLst>
+  </p:timing>
 </p:sld>
 </file>
 
@@ -6921,7 +6937,7 @@
           <a:p>
             <a:r>
               <a:rPr lang="en-US" dirty="0" smtClean="0"/>
-              <a:t>Resources</a:t>
+              <a:t>Service Mesh</a:t>
             </a:r>
             <a:endParaRPr lang="en-US" dirty="0"/>
           </a:p>
@@ -6943,79 +6959,77 @@
           <a:lstStyle/>
           <a:p>
             <a:r>
-              <a:rPr lang="en-US" dirty="0">
-                <a:hlinkClick r:id="rId2"/>
-              </a:rPr>
-              <a:t>http://www.slideshare.net/</a:t>
-            </a:r>
-            <a:r>
-              <a:rPr lang="en-US" dirty="0" smtClean="0">
-                <a:hlinkClick r:id="rId2"/>
-              </a:rPr>
-              <a:t>chris.e.richardson</a:t>
-            </a:r>
-            <a:endParaRPr lang="en-US" dirty="0" smtClean="0"/>
-          </a:p>
-          <a:p>
-            <a:r>
-              <a:rPr lang="en-US" dirty="0">
-                <a:hlinkClick r:id="rId3"/>
-              </a:rPr>
-              <a:t>http://martinfowler.com/articles/</a:t>
-            </a:r>
-            <a:r>
-              <a:rPr lang="en-US" dirty="0" smtClean="0">
-                <a:hlinkClick r:id="rId3"/>
-              </a:rPr>
-              <a:t>microservices.html</a:t>
-            </a:r>
-            <a:r>
-              <a:rPr lang="en-US" dirty="0" smtClean="0"/>
-              <a:t> </a:t>
-            </a:r>
-          </a:p>
-          <a:p>
-            <a:r>
-              <a:rPr lang="en-US" dirty="0">
-                <a:hlinkClick r:id="rId4"/>
-              </a:rPr>
-              <a:t>http://www.thoughtworks.com/insights/blog/microservices</a:t>
-            </a:r>
-            <a:r>
-              <a:rPr lang="en-US">
-                <a:hlinkClick r:id="rId4"/>
-              </a:rPr>
-              <a:t>-</a:t>
-            </a:r>
-            <a:r>
-              <a:rPr lang="en-US" smtClean="0">
-                <a:hlinkClick r:id="rId4"/>
-              </a:rPr>
-              <a:t>nutshell</a:t>
-            </a:r>
-            <a:r>
-              <a:rPr lang="en-US" smtClean="0"/>
-              <a:t> </a:t>
-            </a:r>
-          </a:p>
-          <a:p>
-            <a:pPr marL="0" indent="0">
-              <a:buNone/>
-            </a:pPr>
-            <a:endParaRPr lang="en-US"/>
+              <a:rPr lang="en-US" dirty="0" smtClean="0"/>
+              <a:t>How do I guarantee resilience in a </a:t>
+            </a:r>
+            <a:r>
+              <a:rPr lang="en-US" dirty="0" err="1" smtClean="0"/>
+              <a:t>microservices</a:t>
+            </a:r>
+            <a:r>
+              <a:rPr lang="en-US" dirty="0" smtClean="0"/>
+              <a:t> environment?</a:t>
+            </a:r>
+          </a:p>
+          <a:p>
+            <a:r>
+              <a:rPr lang="en-US" dirty="0" smtClean="0"/>
+              <a:t>Load-balancing, failover, discovery</a:t>
+            </a:r>
+          </a:p>
+          <a:p>
+            <a:r>
+              <a:rPr lang="en-US" dirty="0" smtClean="0"/>
+              <a:t>Building it into code is complex </a:t>
+            </a:r>
+          </a:p>
+          <a:p>
+            <a:pPr lvl="1"/>
+            <a:r>
+              <a:rPr lang="en-US" dirty="0" smtClean="0"/>
+              <a:t>Libraries such as </a:t>
+            </a:r>
+            <a:r>
+              <a:rPr lang="en-US" dirty="0" err="1" smtClean="0"/>
+              <a:t>Hystrix</a:t>
+            </a:r>
+            <a:r>
+              <a:rPr lang="en-US" dirty="0" smtClean="0"/>
+              <a:t> help</a:t>
+            </a:r>
+          </a:p>
+          <a:p>
+            <a:r>
+              <a:rPr lang="en-US" dirty="0" smtClean="0"/>
+              <a:t>But inhibits polyglot </a:t>
+            </a:r>
+          </a:p>
+          <a:p>
+            <a:pPr lvl="1"/>
+            <a:r>
+              <a:rPr lang="en-US" dirty="0" smtClean="0"/>
+              <a:t>Each language needs its own approach</a:t>
+            </a:r>
           </a:p>
         </p:txBody>
       </p:sp>
     </p:spTree>
     <p:extLst>
       <p:ext uri="{BB962C8B-B14F-4D97-AF65-F5344CB8AC3E}">
-        <p14:creationId xmlns:p14="http://schemas.microsoft.com/office/powerpoint/2010/main" val="3846780229"/>
+        <p14:creationId xmlns:p14="http://schemas.microsoft.com/office/powerpoint/2010/main" val="3050315192"/>
       </p:ext>
     </p:extLst>
   </p:cSld>
   <p:clrMapOvr>
     <a:masterClrMapping/>
   </p:clrMapOvr>
+  <p:timing>
+    <p:tnLst>
+      <p:par>
+        <p:cTn xmlns:p14="http://schemas.microsoft.com/office/powerpoint/2010/main" id="1" dur="indefinite" restart="never" nodeType="tmRoot"/>
+      </p:par>
+    </p:tnLst>
+  </p:timing>
 </p:sld>
 </file>
 
@@ -7110,6 +7124,1092 @@
     <p:extLst>
       <p:ext uri="{BB962C8B-B14F-4D97-AF65-F5344CB8AC3E}">
         <p14:creationId xmlns:p14="http://schemas.microsoft.com/office/powerpoint/2010/main" val="305610838"/>
+      </p:ext>
+    </p:extLst>
+  </p:cSld>
+  <p:clrMapOvr>
+    <a:masterClrMapping/>
+  </p:clrMapOvr>
+</p:sld>
+</file>
+
+<file path=ppt/slides/slide20.xml><?xml version="1.0" encoding="utf-8"?>
+<p:sld xmlns:a="http://schemas.openxmlformats.org/drawingml/2006/main" xmlns:r="http://schemas.openxmlformats.org/officeDocument/2006/relationships" xmlns:p="http://schemas.openxmlformats.org/presentationml/2006/main">
+  <p:cSld>
+    <p:spTree>
+      <p:nvGrpSpPr>
+        <p:cNvPr id="1" name=""/>
+        <p:cNvGrpSpPr/>
+        <p:nvPr/>
+      </p:nvGrpSpPr>
+      <p:grpSpPr>
+        <a:xfrm>
+          <a:off x="0" y="0"/>
+          <a:ext cx="0" cy="0"/>
+          <a:chOff x="0" y="0"/>
+          <a:chExt cx="0" cy="0"/>
+        </a:xfrm>
+      </p:grpSpPr>
+      <p:sp>
+        <p:nvSpPr>
+          <p:cNvPr id="2" name="Title 1"/>
+          <p:cNvSpPr>
+            <a:spLocks noGrp="1"/>
+          </p:cNvSpPr>
+          <p:nvPr>
+            <p:ph type="title"/>
+          </p:nvPr>
+        </p:nvSpPr>
+        <p:spPr/>
+        <p:txBody>
+          <a:bodyPr/>
+          <a:lstStyle/>
+          <a:p>
+            <a:r>
+              <a:rPr lang="en-US" dirty="0" smtClean="0"/>
+              <a:t>Service Mesh</a:t>
+            </a:r>
+            <a:endParaRPr lang="en-US" dirty="0"/>
+          </a:p>
+        </p:txBody>
+      </p:sp>
+      <p:sp>
+        <p:nvSpPr>
+          <p:cNvPr id="3" name="Content Placeholder 2"/>
+          <p:cNvSpPr>
+            <a:spLocks noGrp="1"/>
+          </p:cNvSpPr>
+          <p:nvPr>
+            <p:ph idx="1"/>
+          </p:nvPr>
+        </p:nvSpPr>
+        <p:spPr/>
+        <p:txBody>
+          <a:bodyPr/>
+          <a:lstStyle/>
+          <a:p>
+            <a:pPr marL="0" indent="0">
+              <a:buNone/>
+            </a:pPr>
+            <a:r>
+              <a:rPr lang="en-US" dirty="0" smtClean="0"/>
+              <a:t>Sidecar architecture </a:t>
+            </a:r>
+            <a:endParaRPr lang="en-US" dirty="0"/>
+          </a:p>
+        </p:txBody>
+      </p:sp>
+      <p:sp>
+        <p:nvSpPr>
+          <p:cNvPr id="4" name="Rectangle 3"/>
+          <p:cNvSpPr/>
+          <p:nvPr/>
+        </p:nvSpPr>
+        <p:spPr>
+          <a:xfrm>
+            <a:off x="859147" y="2353449"/>
+            <a:ext cx="3598456" cy="3461687"/>
+          </a:xfrm>
+          <a:prstGeom prst="rect">
+            <a:avLst/>
+          </a:prstGeom>
+        </p:spPr>
+        <p:style>
+          <a:lnRef idx="1">
+            <a:schemeClr val="accent1"/>
+          </a:lnRef>
+          <a:fillRef idx="3">
+            <a:schemeClr val="accent1"/>
+          </a:fillRef>
+          <a:effectRef idx="2">
+            <a:schemeClr val="accent1"/>
+          </a:effectRef>
+          <a:fontRef idx="minor">
+            <a:schemeClr val="lt1"/>
+          </a:fontRef>
+        </p:style>
+        <p:txBody>
+          <a:bodyPr rtlCol="0" anchor="ctr"/>
+          <a:lstStyle/>
+          <a:p>
+            <a:r>
+              <a:rPr lang="en-US" dirty="0" smtClean="0">
+                <a:solidFill>
+                  <a:srgbClr val="000000"/>
+                </a:solidFill>
+              </a:rPr>
+              <a:t>Container</a:t>
+            </a:r>
+          </a:p>
+          <a:p>
+            <a:endParaRPr lang="en-US" dirty="0" smtClean="0">
+              <a:solidFill>
+                <a:srgbClr val="000000"/>
+              </a:solidFill>
+            </a:endParaRPr>
+          </a:p>
+          <a:p>
+            <a:pPr algn="ctr"/>
+            <a:endParaRPr lang="en-US" dirty="0">
+              <a:solidFill>
+                <a:srgbClr val="000000"/>
+              </a:solidFill>
+            </a:endParaRPr>
+          </a:p>
+          <a:p>
+            <a:pPr algn="ctr"/>
+            <a:endParaRPr lang="en-US" dirty="0" smtClean="0">
+              <a:solidFill>
+                <a:srgbClr val="000000"/>
+              </a:solidFill>
+            </a:endParaRPr>
+          </a:p>
+          <a:p>
+            <a:pPr algn="ctr"/>
+            <a:endParaRPr lang="en-US" dirty="0">
+              <a:solidFill>
+                <a:srgbClr val="000000"/>
+              </a:solidFill>
+            </a:endParaRPr>
+          </a:p>
+          <a:p>
+            <a:pPr algn="ctr"/>
+            <a:endParaRPr lang="en-US" dirty="0" smtClean="0">
+              <a:solidFill>
+                <a:srgbClr val="000000"/>
+              </a:solidFill>
+            </a:endParaRPr>
+          </a:p>
+          <a:p>
+            <a:pPr algn="ctr"/>
+            <a:endParaRPr lang="en-US" dirty="0">
+              <a:solidFill>
+                <a:srgbClr val="000000"/>
+              </a:solidFill>
+            </a:endParaRPr>
+          </a:p>
+          <a:p>
+            <a:pPr algn="ctr"/>
+            <a:endParaRPr lang="en-US" dirty="0" smtClean="0">
+              <a:solidFill>
+                <a:srgbClr val="000000"/>
+              </a:solidFill>
+            </a:endParaRPr>
+          </a:p>
+          <a:p>
+            <a:pPr algn="ctr"/>
+            <a:endParaRPr lang="en-US" dirty="0">
+              <a:solidFill>
+                <a:srgbClr val="000000"/>
+              </a:solidFill>
+            </a:endParaRPr>
+          </a:p>
+          <a:p>
+            <a:pPr algn="ctr"/>
+            <a:endParaRPr lang="en-US" dirty="0" smtClean="0">
+              <a:solidFill>
+                <a:srgbClr val="000000"/>
+              </a:solidFill>
+            </a:endParaRPr>
+          </a:p>
+          <a:p>
+            <a:pPr algn="ctr"/>
+            <a:endParaRPr lang="en-US" dirty="0">
+              <a:solidFill>
+                <a:srgbClr val="000000"/>
+              </a:solidFill>
+            </a:endParaRPr>
+          </a:p>
+          <a:p>
+            <a:endParaRPr lang="en-US" dirty="0">
+              <a:solidFill>
+                <a:srgbClr val="000000"/>
+              </a:solidFill>
+            </a:endParaRPr>
+          </a:p>
+        </p:txBody>
+      </p:sp>
+      <p:sp>
+        <p:nvSpPr>
+          <p:cNvPr id="5" name="Rounded Rectangle 4"/>
+          <p:cNvSpPr/>
+          <p:nvPr/>
+        </p:nvSpPr>
+        <p:spPr>
+          <a:xfrm>
+            <a:off x="1332298" y="2976054"/>
+            <a:ext cx="2515183" cy="1095786"/>
+          </a:xfrm>
+          <a:prstGeom prst="roundRect">
+            <a:avLst/>
+          </a:prstGeom>
+        </p:spPr>
+        <p:style>
+          <a:lnRef idx="2">
+            <a:schemeClr val="accent4">
+              <a:shade val="50000"/>
+            </a:schemeClr>
+          </a:lnRef>
+          <a:fillRef idx="1">
+            <a:schemeClr val="accent4"/>
+          </a:fillRef>
+          <a:effectRef idx="0">
+            <a:schemeClr val="accent4"/>
+          </a:effectRef>
+          <a:fontRef idx="minor">
+            <a:schemeClr val="lt1"/>
+          </a:fontRef>
+        </p:style>
+        <p:txBody>
+          <a:bodyPr rtlCol="0" anchor="ctr"/>
+          <a:lstStyle/>
+          <a:p>
+            <a:pPr algn="ctr"/>
+            <a:r>
+              <a:rPr lang="en-US" dirty="0" err="1" smtClean="0"/>
+              <a:t>Microservice</a:t>
+            </a:r>
+            <a:endParaRPr lang="en-US" dirty="0"/>
+          </a:p>
+        </p:txBody>
+      </p:sp>
+      <p:sp>
+        <p:nvSpPr>
+          <p:cNvPr id="6" name="Rectangle 5"/>
+          <p:cNvSpPr/>
+          <p:nvPr/>
+        </p:nvSpPr>
+        <p:spPr>
+          <a:xfrm>
+            <a:off x="1407004" y="4582377"/>
+            <a:ext cx="2365766" cy="772031"/>
+          </a:xfrm>
+          <a:prstGeom prst="rect">
+            <a:avLst/>
+          </a:prstGeom>
+        </p:spPr>
+        <p:style>
+          <a:lnRef idx="2">
+            <a:schemeClr val="accent2">
+              <a:shade val="50000"/>
+            </a:schemeClr>
+          </a:lnRef>
+          <a:fillRef idx="1">
+            <a:schemeClr val="accent2"/>
+          </a:fillRef>
+          <a:effectRef idx="0">
+            <a:schemeClr val="accent2"/>
+          </a:effectRef>
+          <a:fontRef idx="minor">
+            <a:schemeClr val="lt1"/>
+          </a:fontRef>
+        </p:style>
+        <p:txBody>
+          <a:bodyPr rtlCol="0" anchor="ctr"/>
+          <a:lstStyle/>
+          <a:p>
+            <a:pPr algn="ctr"/>
+            <a:r>
+              <a:rPr lang="en-US" dirty="0" smtClean="0"/>
+              <a:t>Service Mesh</a:t>
+            </a:r>
+          </a:p>
+          <a:p>
+            <a:pPr algn="ctr"/>
+            <a:r>
+              <a:rPr lang="en-US" dirty="0" smtClean="0"/>
+              <a:t>Sidecar</a:t>
+            </a:r>
+            <a:endParaRPr lang="en-US" dirty="0"/>
+          </a:p>
+        </p:txBody>
+      </p:sp>
+      <p:sp>
+        <p:nvSpPr>
+          <p:cNvPr id="7" name="Rectangle 6"/>
+          <p:cNvSpPr/>
+          <p:nvPr/>
+        </p:nvSpPr>
+        <p:spPr>
+          <a:xfrm>
+            <a:off x="5006779" y="2378352"/>
+            <a:ext cx="3598456" cy="3461687"/>
+          </a:xfrm>
+          <a:prstGeom prst="rect">
+            <a:avLst/>
+          </a:prstGeom>
+        </p:spPr>
+        <p:style>
+          <a:lnRef idx="1">
+            <a:schemeClr val="accent1"/>
+          </a:lnRef>
+          <a:fillRef idx="3">
+            <a:schemeClr val="accent1"/>
+          </a:fillRef>
+          <a:effectRef idx="2">
+            <a:schemeClr val="accent1"/>
+          </a:effectRef>
+          <a:fontRef idx="minor">
+            <a:schemeClr val="lt1"/>
+          </a:fontRef>
+        </p:style>
+        <p:txBody>
+          <a:bodyPr rtlCol="0" anchor="ctr"/>
+          <a:lstStyle/>
+          <a:p>
+            <a:r>
+              <a:rPr lang="en-US" dirty="0" smtClean="0">
+                <a:solidFill>
+                  <a:srgbClr val="000000"/>
+                </a:solidFill>
+              </a:rPr>
+              <a:t>Container</a:t>
+            </a:r>
+          </a:p>
+          <a:p>
+            <a:endParaRPr lang="en-US" dirty="0" smtClean="0">
+              <a:solidFill>
+                <a:srgbClr val="000000"/>
+              </a:solidFill>
+            </a:endParaRPr>
+          </a:p>
+          <a:p>
+            <a:pPr algn="ctr"/>
+            <a:endParaRPr lang="en-US" dirty="0">
+              <a:solidFill>
+                <a:srgbClr val="000000"/>
+              </a:solidFill>
+            </a:endParaRPr>
+          </a:p>
+          <a:p>
+            <a:pPr algn="ctr"/>
+            <a:endParaRPr lang="en-US" dirty="0" smtClean="0">
+              <a:solidFill>
+                <a:srgbClr val="000000"/>
+              </a:solidFill>
+            </a:endParaRPr>
+          </a:p>
+          <a:p>
+            <a:pPr algn="ctr"/>
+            <a:endParaRPr lang="en-US" dirty="0">
+              <a:solidFill>
+                <a:srgbClr val="000000"/>
+              </a:solidFill>
+            </a:endParaRPr>
+          </a:p>
+          <a:p>
+            <a:pPr algn="ctr"/>
+            <a:endParaRPr lang="en-US" dirty="0" smtClean="0">
+              <a:solidFill>
+                <a:srgbClr val="000000"/>
+              </a:solidFill>
+            </a:endParaRPr>
+          </a:p>
+          <a:p>
+            <a:pPr algn="ctr"/>
+            <a:endParaRPr lang="en-US" dirty="0">
+              <a:solidFill>
+                <a:srgbClr val="000000"/>
+              </a:solidFill>
+            </a:endParaRPr>
+          </a:p>
+          <a:p>
+            <a:pPr algn="ctr"/>
+            <a:endParaRPr lang="en-US" dirty="0" smtClean="0">
+              <a:solidFill>
+                <a:srgbClr val="000000"/>
+              </a:solidFill>
+            </a:endParaRPr>
+          </a:p>
+          <a:p>
+            <a:pPr algn="ctr"/>
+            <a:endParaRPr lang="en-US" dirty="0">
+              <a:solidFill>
+                <a:srgbClr val="000000"/>
+              </a:solidFill>
+            </a:endParaRPr>
+          </a:p>
+          <a:p>
+            <a:pPr algn="ctr"/>
+            <a:endParaRPr lang="en-US" dirty="0" smtClean="0">
+              <a:solidFill>
+                <a:srgbClr val="000000"/>
+              </a:solidFill>
+            </a:endParaRPr>
+          </a:p>
+          <a:p>
+            <a:pPr algn="ctr"/>
+            <a:endParaRPr lang="en-US" dirty="0">
+              <a:solidFill>
+                <a:srgbClr val="000000"/>
+              </a:solidFill>
+            </a:endParaRPr>
+          </a:p>
+          <a:p>
+            <a:endParaRPr lang="en-US" dirty="0">
+              <a:solidFill>
+                <a:srgbClr val="000000"/>
+              </a:solidFill>
+            </a:endParaRPr>
+          </a:p>
+        </p:txBody>
+      </p:sp>
+      <p:sp>
+        <p:nvSpPr>
+          <p:cNvPr id="8" name="Rounded Rectangle 7"/>
+          <p:cNvSpPr/>
+          <p:nvPr/>
+        </p:nvSpPr>
+        <p:spPr>
+          <a:xfrm>
+            <a:off x="5405224" y="2951149"/>
+            <a:ext cx="2515183" cy="1095786"/>
+          </a:xfrm>
+          <a:prstGeom prst="roundRect">
+            <a:avLst/>
+          </a:prstGeom>
+        </p:spPr>
+        <p:style>
+          <a:lnRef idx="2">
+            <a:schemeClr val="accent4">
+              <a:shade val="50000"/>
+            </a:schemeClr>
+          </a:lnRef>
+          <a:fillRef idx="1">
+            <a:schemeClr val="accent4"/>
+          </a:fillRef>
+          <a:effectRef idx="0">
+            <a:schemeClr val="accent4"/>
+          </a:effectRef>
+          <a:fontRef idx="minor">
+            <a:schemeClr val="lt1"/>
+          </a:fontRef>
+        </p:style>
+        <p:txBody>
+          <a:bodyPr rtlCol="0" anchor="ctr"/>
+          <a:lstStyle/>
+          <a:p>
+            <a:pPr algn="ctr"/>
+            <a:r>
+              <a:rPr lang="en-US" dirty="0" err="1" smtClean="0"/>
+              <a:t>Microservice</a:t>
+            </a:r>
+            <a:endParaRPr lang="en-US" dirty="0"/>
+          </a:p>
+        </p:txBody>
+      </p:sp>
+      <p:sp>
+        <p:nvSpPr>
+          <p:cNvPr id="9" name="Rectangle 8"/>
+          <p:cNvSpPr/>
+          <p:nvPr/>
+        </p:nvSpPr>
+        <p:spPr>
+          <a:xfrm>
+            <a:off x="5492381" y="4607280"/>
+            <a:ext cx="2365766" cy="772031"/>
+          </a:xfrm>
+          <a:prstGeom prst="rect">
+            <a:avLst/>
+          </a:prstGeom>
+        </p:spPr>
+        <p:style>
+          <a:lnRef idx="2">
+            <a:schemeClr val="accent2">
+              <a:shade val="50000"/>
+            </a:schemeClr>
+          </a:lnRef>
+          <a:fillRef idx="1">
+            <a:schemeClr val="accent2"/>
+          </a:fillRef>
+          <a:effectRef idx="0">
+            <a:schemeClr val="accent2"/>
+          </a:effectRef>
+          <a:fontRef idx="minor">
+            <a:schemeClr val="lt1"/>
+          </a:fontRef>
+        </p:style>
+        <p:txBody>
+          <a:bodyPr rtlCol="0" anchor="ctr"/>
+          <a:lstStyle/>
+          <a:p>
+            <a:pPr algn="ctr"/>
+            <a:r>
+              <a:rPr lang="en-US" dirty="0" smtClean="0"/>
+              <a:t>Service Mesh</a:t>
+            </a:r>
+          </a:p>
+          <a:p>
+            <a:pPr algn="ctr"/>
+            <a:r>
+              <a:rPr lang="en-US" dirty="0" smtClean="0"/>
+              <a:t>Sidecar</a:t>
+            </a:r>
+            <a:endParaRPr lang="en-US" dirty="0"/>
+          </a:p>
+        </p:txBody>
+      </p:sp>
+      <p:cxnSp>
+        <p:nvCxnSpPr>
+          <p:cNvPr id="11" name="Straight Arrow Connector 10"/>
+          <p:cNvCxnSpPr>
+            <a:stCxn id="6" idx="3"/>
+            <a:endCxn id="9" idx="1"/>
+          </p:cNvCxnSpPr>
+          <p:nvPr/>
+        </p:nvCxnSpPr>
+        <p:spPr>
+          <a:xfrm>
+            <a:off x="3772770" y="4968393"/>
+            <a:ext cx="1719611" cy="24903"/>
+          </a:xfrm>
+          <a:prstGeom prst="straightConnector1">
+            <a:avLst/>
+          </a:prstGeom>
+          <a:ln>
+            <a:solidFill>
+              <a:schemeClr val="tx1"/>
+            </a:solidFill>
+            <a:headEnd type="arrow"/>
+            <a:tailEnd type="arrow"/>
+          </a:ln>
+        </p:spPr>
+        <p:style>
+          <a:lnRef idx="2">
+            <a:schemeClr val="accent1"/>
+          </a:lnRef>
+          <a:fillRef idx="0">
+            <a:schemeClr val="accent1"/>
+          </a:fillRef>
+          <a:effectRef idx="1">
+            <a:schemeClr val="accent1"/>
+          </a:effectRef>
+          <a:fontRef idx="minor">
+            <a:schemeClr val="tx1"/>
+          </a:fontRef>
+        </p:style>
+      </p:cxnSp>
+      <p:cxnSp>
+        <p:nvCxnSpPr>
+          <p:cNvPr id="15" name="Straight Arrow Connector 14"/>
+          <p:cNvCxnSpPr>
+            <a:stCxn id="5" idx="2"/>
+            <a:endCxn id="6" idx="0"/>
+          </p:cNvCxnSpPr>
+          <p:nvPr/>
+        </p:nvCxnSpPr>
+        <p:spPr>
+          <a:xfrm flipH="1">
+            <a:off x="2589887" y="4071840"/>
+            <a:ext cx="3" cy="510537"/>
+          </a:xfrm>
+          <a:prstGeom prst="straightConnector1">
+            <a:avLst/>
+          </a:prstGeom>
+          <a:ln>
+            <a:solidFill>
+              <a:schemeClr val="tx1"/>
+            </a:solidFill>
+            <a:headEnd type="arrow"/>
+            <a:tailEnd type="arrow"/>
+          </a:ln>
+        </p:spPr>
+        <p:style>
+          <a:lnRef idx="2">
+            <a:schemeClr val="accent1"/>
+          </a:lnRef>
+          <a:fillRef idx="0">
+            <a:schemeClr val="accent1"/>
+          </a:fillRef>
+          <a:effectRef idx="1">
+            <a:schemeClr val="accent1"/>
+          </a:effectRef>
+          <a:fontRef idx="minor">
+            <a:schemeClr val="tx1"/>
+          </a:fontRef>
+        </p:style>
+      </p:cxnSp>
+      <p:cxnSp>
+        <p:nvCxnSpPr>
+          <p:cNvPr id="18" name="Straight Arrow Connector 17"/>
+          <p:cNvCxnSpPr>
+            <a:endCxn id="9" idx="0"/>
+          </p:cNvCxnSpPr>
+          <p:nvPr/>
+        </p:nvCxnSpPr>
+        <p:spPr>
+          <a:xfrm>
+            <a:off x="6675264" y="4071840"/>
+            <a:ext cx="0" cy="535440"/>
+          </a:xfrm>
+          <a:prstGeom prst="straightConnector1">
+            <a:avLst/>
+          </a:prstGeom>
+          <a:ln>
+            <a:solidFill>
+              <a:schemeClr val="tx1"/>
+            </a:solidFill>
+            <a:headEnd type="arrow"/>
+            <a:tailEnd type="arrow"/>
+          </a:ln>
+        </p:spPr>
+        <p:style>
+          <a:lnRef idx="2">
+            <a:schemeClr val="accent1"/>
+          </a:lnRef>
+          <a:fillRef idx="0">
+            <a:schemeClr val="accent1"/>
+          </a:fillRef>
+          <a:effectRef idx="1">
+            <a:schemeClr val="accent1"/>
+          </a:effectRef>
+          <a:fontRef idx="minor">
+            <a:schemeClr val="tx1"/>
+          </a:fontRef>
+        </p:style>
+      </p:cxnSp>
+    </p:spTree>
+    <p:extLst>
+      <p:ext uri="{BB962C8B-B14F-4D97-AF65-F5344CB8AC3E}">
+        <p14:creationId xmlns:p14="http://schemas.microsoft.com/office/powerpoint/2010/main" val="782150510"/>
+      </p:ext>
+    </p:extLst>
+  </p:cSld>
+  <p:clrMapOvr>
+    <a:masterClrMapping/>
+  </p:clrMapOvr>
+  <p:timing>
+    <p:tnLst>
+      <p:par>
+        <p:cTn xmlns:p14="http://schemas.microsoft.com/office/powerpoint/2010/main" id="1" dur="indefinite" restart="never" nodeType="tmRoot"/>
+      </p:par>
+    </p:tnLst>
+  </p:timing>
+</p:sld>
+</file>
+
+<file path=ppt/slides/slide21.xml><?xml version="1.0" encoding="utf-8"?>
+<p:sld xmlns:a="http://schemas.openxmlformats.org/drawingml/2006/main" xmlns:r="http://schemas.openxmlformats.org/officeDocument/2006/relationships" xmlns:p="http://schemas.openxmlformats.org/presentationml/2006/main">
+  <p:cSld>
+    <p:spTree>
+      <p:nvGrpSpPr>
+        <p:cNvPr id="1" name=""/>
+        <p:cNvGrpSpPr/>
+        <p:nvPr/>
+      </p:nvGrpSpPr>
+      <p:grpSpPr>
+        <a:xfrm>
+          <a:off x="0" y="0"/>
+          <a:ext cx="0" cy="0"/>
+          <a:chOff x="0" y="0"/>
+          <a:chExt cx="0" cy="0"/>
+        </a:xfrm>
+      </p:grpSpPr>
+      <p:sp>
+        <p:nvSpPr>
+          <p:cNvPr id="2" name="Title 1"/>
+          <p:cNvSpPr>
+            <a:spLocks noGrp="1"/>
+          </p:cNvSpPr>
+          <p:nvPr>
+            <p:ph type="title"/>
+          </p:nvPr>
+        </p:nvSpPr>
+        <p:spPr/>
+        <p:txBody>
+          <a:bodyPr/>
+          <a:lstStyle/>
+          <a:p>
+            <a:r>
+              <a:rPr lang="en-US" dirty="0" smtClean="0"/>
+              <a:t>Service Mesh</a:t>
+            </a:r>
+            <a:endParaRPr lang="en-US" dirty="0"/>
+          </a:p>
+        </p:txBody>
+      </p:sp>
+      <p:sp>
+        <p:nvSpPr>
+          <p:cNvPr id="12" name="Content Placeholder 11"/>
+          <p:cNvSpPr>
+            <a:spLocks noGrp="1"/>
+          </p:cNvSpPr>
+          <p:nvPr>
+            <p:ph idx="1"/>
+          </p:nvPr>
+        </p:nvSpPr>
+        <p:spPr/>
+        <p:txBody>
+          <a:bodyPr/>
+          <a:lstStyle/>
+          <a:p>
+            <a:r>
+              <a:rPr lang="en-US" dirty="0" smtClean="0"/>
+              <a:t>Load-balancing, circuit breakers</a:t>
+            </a:r>
+          </a:p>
+          <a:p>
+            <a:r>
+              <a:rPr lang="en-US" dirty="0" smtClean="0"/>
+              <a:t>Discovery / Naming</a:t>
+            </a:r>
+          </a:p>
+          <a:p>
+            <a:r>
+              <a:rPr lang="en-US" dirty="0" smtClean="0"/>
+              <a:t>Traffic control</a:t>
+            </a:r>
+          </a:p>
+          <a:p>
+            <a:r>
+              <a:rPr lang="en-US" dirty="0" smtClean="0"/>
+              <a:t>Per-request/content-based routing</a:t>
+            </a:r>
+          </a:p>
+          <a:p>
+            <a:r>
+              <a:rPr lang="en-US" dirty="0" smtClean="0"/>
+              <a:t>Timeouts and deadlines</a:t>
+            </a:r>
+          </a:p>
+          <a:p>
+            <a:r>
+              <a:rPr lang="en-US" dirty="0" smtClean="0"/>
+              <a:t>Mutual TLS </a:t>
+            </a:r>
+          </a:p>
+          <a:p>
+            <a:r>
+              <a:rPr lang="en-US" dirty="0" err="1" smtClean="0"/>
+              <a:t>Observability</a:t>
+            </a:r>
+            <a:endParaRPr lang="en-US" dirty="0"/>
+          </a:p>
+        </p:txBody>
+      </p:sp>
+    </p:spTree>
+    <p:extLst>
+      <p:ext uri="{BB962C8B-B14F-4D97-AF65-F5344CB8AC3E}">
+        <p14:creationId xmlns:p14="http://schemas.microsoft.com/office/powerpoint/2010/main" val="4106375230"/>
+      </p:ext>
+    </p:extLst>
+  </p:cSld>
+  <p:clrMapOvr>
+    <a:masterClrMapping/>
+  </p:clrMapOvr>
+  <p:timing>
+    <p:tnLst>
+      <p:par>
+        <p:cTn xmlns:p14="http://schemas.microsoft.com/office/powerpoint/2010/main" id="1" dur="indefinite" restart="never" nodeType="tmRoot"/>
+      </p:par>
+    </p:tnLst>
+  </p:timing>
+</p:sld>
+</file>
+
+<file path=ppt/slides/slide22.xml><?xml version="1.0" encoding="utf-8"?>
+<p:sld xmlns:a="http://schemas.openxmlformats.org/drawingml/2006/main" xmlns:r="http://schemas.openxmlformats.org/officeDocument/2006/relationships" xmlns:p="http://schemas.openxmlformats.org/presentationml/2006/main">
+  <p:cSld>
+    <p:spTree>
+      <p:nvGrpSpPr>
+        <p:cNvPr id="1" name=""/>
+        <p:cNvGrpSpPr/>
+        <p:nvPr/>
+      </p:nvGrpSpPr>
+      <p:grpSpPr>
+        <a:xfrm>
+          <a:off x="0" y="0"/>
+          <a:ext cx="0" cy="0"/>
+          <a:chOff x="0" y="0"/>
+          <a:chExt cx="0" cy="0"/>
+        </a:xfrm>
+      </p:grpSpPr>
+      <p:sp>
+        <p:nvSpPr>
+          <p:cNvPr id="2" name="Title 1"/>
+          <p:cNvSpPr>
+            <a:spLocks noGrp="1"/>
+          </p:cNvSpPr>
+          <p:nvPr>
+            <p:ph type="title"/>
+          </p:nvPr>
+        </p:nvSpPr>
+        <p:spPr/>
+        <p:txBody>
+          <a:bodyPr>
+            <a:normAutofit fontScale="90000"/>
+          </a:bodyPr>
+          <a:lstStyle/>
+          <a:p>
+            <a:r>
+              <a:rPr lang="en-US" dirty="0" smtClean="0"/>
+              <a:t>Service Mesh implementations</a:t>
+            </a:r>
+            <a:endParaRPr lang="en-US" dirty="0"/>
+          </a:p>
+        </p:txBody>
+      </p:sp>
+      <p:sp>
+        <p:nvSpPr>
+          <p:cNvPr id="3" name="Content Placeholder 2"/>
+          <p:cNvSpPr>
+            <a:spLocks noGrp="1"/>
+          </p:cNvSpPr>
+          <p:nvPr>
+            <p:ph idx="1"/>
+          </p:nvPr>
+        </p:nvSpPr>
+        <p:spPr/>
+        <p:txBody>
+          <a:bodyPr/>
+          <a:lstStyle/>
+          <a:p>
+            <a:r>
+              <a:rPr lang="en-US" dirty="0" smtClean="0"/>
+              <a:t>Envoy</a:t>
+            </a:r>
+          </a:p>
+          <a:p>
+            <a:pPr lvl="1"/>
+            <a:r>
+              <a:rPr lang="en-US" dirty="0" smtClean="0"/>
+              <a:t>And hence </a:t>
+            </a:r>
+            <a:r>
+              <a:rPr lang="en-US" dirty="0" err="1" smtClean="0"/>
+              <a:t>Istio</a:t>
+            </a:r>
+            <a:endParaRPr lang="en-US" dirty="0" smtClean="0"/>
+          </a:p>
+          <a:p>
+            <a:r>
+              <a:rPr lang="en-US" dirty="0" err="1" smtClean="0"/>
+              <a:t>Linkerd</a:t>
+            </a:r>
+            <a:endParaRPr lang="en-US" dirty="0" smtClean="0"/>
+          </a:p>
+          <a:p>
+            <a:r>
+              <a:rPr lang="en-US" dirty="0" smtClean="0"/>
+              <a:t>Conduit</a:t>
+            </a:r>
+            <a:endParaRPr lang="en-US" dirty="0"/>
+          </a:p>
+        </p:txBody>
+      </p:sp>
+    </p:spTree>
+    <p:extLst>
+      <p:ext uri="{BB962C8B-B14F-4D97-AF65-F5344CB8AC3E}">
+        <p14:creationId xmlns:p14="http://schemas.microsoft.com/office/powerpoint/2010/main" val="1694896084"/>
+      </p:ext>
+    </p:extLst>
+  </p:cSld>
+  <p:clrMapOvr>
+    <a:masterClrMapping/>
+  </p:clrMapOvr>
+</p:sld>
+</file>
+
+<file path=ppt/slides/slide23.xml><?xml version="1.0" encoding="utf-8"?>
+<p:sld xmlns:a="http://schemas.openxmlformats.org/drawingml/2006/main" xmlns:r="http://schemas.openxmlformats.org/officeDocument/2006/relationships" xmlns:p="http://schemas.openxmlformats.org/presentationml/2006/main">
+  <p:cSld>
+    <p:spTree>
+      <p:nvGrpSpPr>
+        <p:cNvPr id="1" name=""/>
+        <p:cNvGrpSpPr/>
+        <p:nvPr/>
+      </p:nvGrpSpPr>
+      <p:grpSpPr>
+        <a:xfrm>
+          <a:off x="0" y="0"/>
+          <a:ext cx="0" cy="0"/>
+          <a:chOff x="0" y="0"/>
+          <a:chExt cx="0" cy="0"/>
+        </a:xfrm>
+      </p:grpSpPr>
+      <p:sp>
+        <p:nvSpPr>
+          <p:cNvPr id="2" name="Title 1"/>
+          <p:cNvSpPr>
+            <a:spLocks noGrp="1"/>
+          </p:cNvSpPr>
+          <p:nvPr>
+            <p:ph type="title"/>
+          </p:nvPr>
+        </p:nvSpPr>
+        <p:spPr/>
+        <p:txBody>
+          <a:bodyPr/>
+          <a:lstStyle/>
+          <a:p>
+            <a:r>
+              <a:rPr lang="en-US" dirty="0" err="1" smtClean="0"/>
+              <a:t>Linkerd</a:t>
+            </a:r>
+            <a:endParaRPr lang="en-US" dirty="0"/>
+          </a:p>
+        </p:txBody>
+      </p:sp>
+      <p:pic>
+        <p:nvPicPr>
+          <p:cNvPr id="4" name="Picture 3"/>
+          <p:cNvPicPr>
+            <a:picLocks noChangeAspect="1"/>
+          </p:cNvPicPr>
+          <p:nvPr/>
+        </p:nvPicPr>
+        <p:blipFill>
+          <a:blip r:embed="rId2"/>
+          <a:stretch>
+            <a:fillRect/>
+          </a:stretch>
+        </p:blipFill>
+        <p:spPr>
+          <a:xfrm>
+            <a:off x="1246362" y="0"/>
+            <a:ext cx="7725886" cy="6858000"/>
+          </a:xfrm>
+          <a:prstGeom prst="rect">
+            <a:avLst/>
+          </a:prstGeom>
+        </p:spPr>
+      </p:pic>
+    </p:spTree>
+    <p:extLst>
+      <p:ext uri="{BB962C8B-B14F-4D97-AF65-F5344CB8AC3E}">
+        <p14:creationId xmlns:p14="http://schemas.microsoft.com/office/powerpoint/2010/main" val="3516694396"/>
+      </p:ext>
+    </p:extLst>
+  </p:cSld>
+  <p:clrMapOvr>
+    <a:masterClrMapping/>
+  </p:clrMapOvr>
+</p:sld>
+</file>
+
+<file path=ppt/slides/slide24.xml><?xml version="1.0" encoding="utf-8"?>
+<p:sld xmlns:a="http://schemas.openxmlformats.org/drawingml/2006/main" xmlns:r="http://schemas.openxmlformats.org/officeDocument/2006/relationships" xmlns:p="http://schemas.openxmlformats.org/presentationml/2006/main">
+  <p:cSld>
+    <p:spTree>
+      <p:nvGrpSpPr>
+        <p:cNvPr id="1" name=""/>
+        <p:cNvGrpSpPr/>
+        <p:nvPr/>
+      </p:nvGrpSpPr>
+      <p:grpSpPr>
+        <a:xfrm>
+          <a:off x="0" y="0"/>
+          <a:ext cx="0" cy="0"/>
+          <a:chOff x="0" y="0"/>
+          <a:chExt cx="0" cy="0"/>
+        </a:xfrm>
+      </p:grpSpPr>
+      <p:sp>
+        <p:nvSpPr>
+          <p:cNvPr id="2" name="Title 1"/>
+          <p:cNvSpPr>
+            <a:spLocks noGrp="1"/>
+          </p:cNvSpPr>
+          <p:nvPr>
+            <p:ph type="title"/>
+          </p:nvPr>
+        </p:nvSpPr>
+        <p:spPr/>
+        <p:txBody>
+          <a:bodyPr/>
+          <a:lstStyle/>
+          <a:p>
+            <a:r>
+              <a:rPr lang="en-US" dirty="0" smtClean="0"/>
+              <a:t>Resources</a:t>
+            </a:r>
+            <a:endParaRPr lang="en-US" dirty="0"/>
+          </a:p>
+        </p:txBody>
+      </p:sp>
+      <p:sp>
+        <p:nvSpPr>
+          <p:cNvPr id="3" name="Content Placeholder 2"/>
+          <p:cNvSpPr>
+            <a:spLocks noGrp="1"/>
+          </p:cNvSpPr>
+          <p:nvPr>
+            <p:ph idx="1"/>
+          </p:nvPr>
+        </p:nvSpPr>
+        <p:spPr/>
+        <p:txBody>
+          <a:bodyPr/>
+          <a:lstStyle/>
+          <a:p>
+            <a:r>
+              <a:rPr lang="en-US" dirty="0">
+                <a:hlinkClick r:id="rId2"/>
+              </a:rPr>
+              <a:t>http://www.slideshare.net/</a:t>
+            </a:r>
+            <a:r>
+              <a:rPr lang="en-US" dirty="0" smtClean="0">
+                <a:hlinkClick r:id="rId2"/>
+              </a:rPr>
+              <a:t>chris.e.richardson</a:t>
+            </a:r>
+            <a:endParaRPr lang="en-US" dirty="0" smtClean="0"/>
+          </a:p>
+          <a:p>
+            <a:r>
+              <a:rPr lang="en-US" dirty="0">
+                <a:hlinkClick r:id="rId3"/>
+              </a:rPr>
+              <a:t>http://martinfowler.com/articles/</a:t>
+            </a:r>
+            <a:r>
+              <a:rPr lang="en-US" dirty="0" smtClean="0">
+                <a:hlinkClick r:id="rId3"/>
+              </a:rPr>
+              <a:t>microservices.html</a:t>
+            </a:r>
+            <a:r>
+              <a:rPr lang="en-US" dirty="0" smtClean="0"/>
+              <a:t> </a:t>
+            </a:r>
+          </a:p>
+          <a:p>
+            <a:r>
+              <a:rPr lang="en-US" dirty="0">
+                <a:hlinkClick r:id="rId4"/>
+              </a:rPr>
+              <a:t>http://www.thoughtworks.com/insights/blog/microservices</a:t>
+            </a:r>
+            <a:r>
+              <a:rPr lang="en-US">
+                <a:hlinkClick r:id="rId4"/>
+              </a:rPr>
+              <a:t>-</a:t>
+            </a:r>
+            <a:r>
+              <a:rPr lang="en-US" smtClean="0">
+                <a:hlinkClick r:id="rId4"/>
+              </a:rPr>
+              <a:t>nutshell</a:t>
+            </a:r>
+            <a:r>
+              <a:rPr lang="en-US" smtClean="0"/>
+              <a:t> </a:t>
+            </a:r>
+          </a:p>
+          <a:p>
+            <a:pPr marL="0" indent="0">
+              <a:buNone/>
+            </a:pPr>
+            <a:endParaRPr lang="en-US"/>
+          </a:p>
+        </p:txBody>
+      </p:sp>
+    </p:spTree>
+    <p:extLst>
+      <p:ext uri="{BB962C8B-B14F-4D97-AF65-F5344CB8AC3E}">
+        <p14:creationId xmlns:p14="http://schemas.microsoft.com/office/powerpoint/2010/main" val="3846780229"/>
       </p:ext>
     </p:extLst>
   </p:cSld>

--- a/presentation-source/08-Microservices.pptx
+++ b/presentation-source/08-Microservices.pptx
@@ -5,7 +5,7 @@
     <p:sldMasterId id="2147483648" r:id="rId1"/>
   </p:sldMasterIdLst>
   <p:notesMasterIdLst>
-    <p:notesMasterId r:id="rId26"/>
+    <p:notesMasterId r:id="rId27"/>
   </p:notesMasterIdLst>
   <p:sldIdLst>
     <p:sldId id="256" r:id="rId2"/>
@@ -27,11 +27,12 @@
     <p:sldId id="272" r:id="rId18"/>
     <p:sldId id="267" r:id="rId19"/>
     <p:sldId id="277" r:id="rId20"/>
-    <p:sldId id="278" r:id="rId21"/>
-    <p:sldId id="279" r:id="rId22"/>
-    <p:sldId id="280" r:id="rId23"/>
-    <p:sldId id="281" r:id="rId24"/>
-    <p:sldId id="268" r:id="rId25"/>
+    <p:sldId id="282" r:id="rId21"/>
+    <p:sldId id="278" r:id="rId22"/>
+    <p:sldId id="279" r:id="rId23"/>
+    <p:sldId id="280" r:id="rId24"/>
+    <p:sldId id="281" r:id="rId25"/>
+    <p:sldId id="268" r:id="rId26"/>
   </p:sldIdLst>
   <p:sldSz cx="9144000" cy="6858000" type="screen4x3"/>
   <p:notesSz cx="6858000" cy="9144000"/>
@@ -220,7 +221,7 @@
             <a:fld id="{7307762F-A706-E543-A832-3C298AA3103F}" type="datetimeFigureOut">
               <a:rPr lang="en-US" smtClean="0"/>
               <a:pPr/>
-              <a:t>18/12/17</a:t>
+              <a:t>10/01/18</a:t>
             </a:fld>
             <a:endParaRPr lang="en-US" dirty="0"/>
           </a:p>
@@ -787,7 +788,7 @@
           <a:p>
             <a:fld id="{875CF0EB-321F-0749-B37A-89BBA859503C}" type="datetimeFigureOut">
               <a:rPr lang="en-US" smtClean="0"/>
-              <a:t>18/12/17</a:t>
+              <a:t>10/01/18</a:t>
             </a:fld>
             <a:endParaRPr lang="en-US"/>
           </a:p>
@@ -991,7 +992,7 @@
           <a:p>
             <a:fld id="{875CF0EB-321F-0749-B37A-89BBA859503C}" type="datetimeFigureOut">
               <a:rPr lang="en-US" smtClean="0"/>
-              <a:t>18/12/17</a:t>
+              <a:t>10/01/18</a:t>
             </a:fld>
             <a:endParaRPr lang="en-US"/>
           </a:p>
@@ -1185,7 +1186,7 @@
           <a:p>
             <a:fld id="{875CF0EB-321F-0749-B37A-89BBA859503C}" type="datetimeFigureOut">
               <a:rPr lang="en-US" smtClean="0"/>
-              <a:t>18/12/17</a:t>
+              <a:t>10/01/18</a:t>
             </a:fld>
             <a:endParaRPr lang="en-US"/>
           </a:p>
@@ -1455,7 +1456,7 @@
           <a:p>
             <a:fld id="{875CF0EB-321F-0749-B37A-89BBA859503C}" type="datetimeFigureOut">
               <a:rPr lang="en-US" smtClean="0"/>
-              <a:t>18/12/17</a:t>
+              <a:t>10/01/18</a:t>
             </a:fld>
             <a:endParaRPr lang="en-US"/>
           </a:p>
@@ -1767,7 +1768,7 @@
           <a:p>
             <a:fld id="{875CF0EB-321F-0749-B37A-89BBA859503C}" type="datetimeFigureOut">
               <a:rPr lang="en-US" smtClean="0"/>
-              <a:t>18/12/17</a:t>
+              <a:t>10/01/18</a:t>
             </a:fld>
             <a:endParaRPr lang="en-US"/>
           </a:p>
@@ -2213,7 +2214,7 @@
           <a:p>
             <a:fld id="{875CF0EB-321F-0749-B37A-89BBA859503C}" type="datetimeFigureOut">
               <a:rPr lang="en-US" smtClean="0"/>
-              <a:t>18/12/17</a:t>
+              <a:t>10/01/18</a:t>
             </a:fld>
             <a:endParaRPr lang="en-US"/>
           </a:p>
@@ -2355,7 +2356,7 @@
           <a:p>
             <a:fld id="{875CF0EB-321F-0749-B37A-89BBA859503C}" type="datetimeFigureOut">
               <a:rPr lang="en-US" smtClean="0"/>
-              <a:t>18/12/17</a:t>
+              <a:t>10/01/18</a:t>
             </a:fld>
             <a:endParaRPr lang="en-US"/>
           </a:p>
@@ -2474,7 +2475,7 @@
           <a:p>
             <a:fld id="{875CF0EB-321F-0749-B37A-89BBA859503C}" type="datetimeFigureOut">
               <a:rPr lang="en-US" smtClean="0"/>
-              <a:t>18/12/17</a:t>
+              <a:t>10/01/18</a:t>
             </a:fld>
             <a:endParaRPr lang="en-US"/>
           </a:p>
@@ -2775,7 +2776,7 @@
           <a:p>
             <a:fld id="{875CF0EB-321F-0749-B37A-89BBA859503C}" type="datetimeFigureOut">
               <a:rPr lang="en-US" smtClean="0"/>
-              <a:t>18/12/17</a:t>
+              <a:t>10/01/18</a:t>
             </a:fld>
             <a:endParaRPr lang="en-US"/>
           </a:p>
@@ -3052,7 +3053,7 @@
           <a:p>
             <a:fld id="{875CF0EB-321F-0749-B37A-89BBA859503C}" type="datetimeFigureOut">
               <a:rPr lang="en-US" smtClean="0"/>
-              <a:t>18/12/17</a:t>
+              <a:t>10/01/18</a:t>
             </a:fld>
             <a:endParaRPr lang="en-US"/>
           </a:p>
@@ -3887,10 +3888,6 @@
               </a:rPr>
               <a:t>January 2018</a:t>
             </a:r>
-            <a:endParaRPr lang="en-US" dirty="0" smtClean="0">
-              <a:ea typeface="ヒラギノ角ゴ ProN W3" charset="0"/>
-              <a:cs typeface="ヒラギノ角ゴ ProN W3" charset="0"/>
-            </a:endParaRPr>
           </a:p>
           <a:p>
             <a:endParaRPr lang="en-US" dirty="0">
@@ -3916,6 +3913,13 @@
   <p:clrMapOvr>
     <a:masterClrMapping/>
   </p:clrMapOvr>
+  <p:timing>
+    <p:tnLst>
+      <p:par>
+        <p:cTn xmlns:p14="http://schemas.microsoft.com/office/powerpoint/2010/main" id="1" dur="indefinite" restart="never" nodeType="tmRoot"/>
+      </p:par>
+    </p:tnLst>
+  </p:timing>
 </p:sld>
 </file>
 
@@ -3970,6 +3974,13 @@
   <p:clrMapOvr>
     <a:masterClrMapping/>
   </p:clrMapOvr>
+  <p:timing>
+    <p:tnLst>
+      <p:par>
+        <p:cTn xmlns:p14="http://schemas.microsoft.com/office/powerpoint/2010/main" id="1" dur="indefinite" restart="never" nodeType="tmRoot"/>
+      </p:par>
+    </p:tnLst>
+  </p:timing>
 </p:sld>
 </file>
 
@@ -4201,6 +4212,13 @@
   <p:clrMapOvr>
     <a:masterClrMapping/>
   </p:clrMapOvr>
+  <p:timing>
+    <p:tnLst>
+      <p:par>
+        <p:cTn xmlns:p14="http://schemas.microsoft.com/office/powerpoint/2010/main" id="1" dur="indefinite" restart="never" nodeType="tmRoot"/>
+      </p:par>
+    </p:tnLst>
+  </p:timing>
 </p:sld>
 </file>
 
@@ -4296,6 +4314,13 @@
   <p:clrMapOvr>
     <a:masterClrMapping/>
   </p:clrMapOvr>
+  <p:timing>
+    <p:tnLst>
+      <p:par>
+        <p:cTn xmlns:p14="http://schemas.microsoft.com/office/powerpoint/2010/main" id="1" dur="indefinite" restart="never" nodeType="tmRoot"/>
+      </p:par>
+    </p:tnLst>
+  </p:timing>
 </p:sld>
 </file>
 
@@ -4431,6 +4456,13 @@
   <p:clrMapOvr>
     <a:masterClrMapping/>
   </p:clrMapOvr>
+  <p:timing>
+    <p:tnLst>
+      <p:par>
+        <p:cTn xmlns:p14="http://schemas.microsoft.com/office/powerpoint/2010/main" id="1" dur="indefinite" restart="never" nodeType="tmRoot"/>
+      </p:par>
+    </p:tnLst>
+  </p:timing>
 </p:sld>
 </file>
 
@@ -4549,6 +4581,13 @@
   <p:clrMapOvr>
     <a:masterClrMapping/>
   </p:clrMapOvr>
+  <p:timing>
+    <p:tnLst>
+      <p:par>
+        <p:cTn xmlns:p14="http://schemas.microsoft.com/office/powerpoint/2010/main" id="1" dur="indefinite" restart="never" nodeType="tmRoot"/>
+      </p:par>
+    </p:tnLst>
+  </p:timing>
 </p:sld>
 </file>
 
@@ -4667,6 +4706,13 @@
   <p:clrMapOvr>
     <a:masterClrMapping/>
   </p:clrMapOvr>
+  <p:timing>
+    <p:tnLst>
+      <p:par>
+        <p:cTn xmlns:p14="http://schemas.microsoft.com/office/powerpoint/2010/main" id="1" dur="indefinite" restart="never" nodeType="tmRoot"/>
+      </p:par>
+    </p:tnLst>
+  </p:timing>
 </p:sld>
 </file>
 
@@ -4791,6 +4837,13 @@
   <p:clrMapOvr>
     <a:masterClrMapping/>
   </p:clrMapOvr>
+  <p:timing>
+    <p:tnLst>
+      <p:par>
+        <p:cTn xmlns:p14="http://schemas.microsoft.com/office/powerpoint/2010/main" id="1" dur="indefinite" restart="never" nodeType="tmRoot"/>
+      </p:par>
+    </p:tnLst>
+  </p:timing>
 </p:sld>
 </file>
 
@@ -6788,6 +6841,13 @@
   <p:clrMapOvr>
     <a:masterClrMapping/>
   </p:clrMapOvr>
+  <p:timing>
+    <p:tnLst>
+      <p:par>
+        <p:cTn xmlns:p14="http://schemas.microsoft.com/office/powerpoint/2010/main" id="1" dur="indefinite" restart="never" nodeType="tmRoot"/>
+      </p:par>
+    </p:tnLst>
+  </p:timing>
 </p:sld>
 </file>
 
@@ -7130,10 +7190,119 @@
   <p:clrMapOvr>
     <a:masterClrMapping/>
   </p:clrMapOvr>
+  <p:timing>
+    <p:tnLst>
+      <p:par>
+        <p:cTn xmlns:p14="http://schemas.microsoft.com/office/powerpoint/2010/main" id="1" dur="indefinite" restart="never" nodeType="tmRoot"/>
+      </p:par>
+    </p:tnLst>
+  </p:timing>
 </p:sld>
 </file>
 
 <file path=ppt/slides/slide20.xml><?xml version="1.0" encoding="utf-8"?>
+<p:sld xmlns:a="http://schemas.openxmlformats.org/drawingml/2006/main" xmlns:r="http://schemas.openxmlformats.org/officeDocument/2006/relationships" xmlns:p="http://schemas.openxmlformats.org/presentationml/2006/main">
+  <p:cSld>
+    <p:spTree>
+      <p:nvGrpSpPr>
+        <p:cNvPr id="1" name=""/>
+        <p:cNvGrpSpPr/>
+        <p:nvPr/>
+      </p:nvGrpSpPr>
+      <p:grpSpPr>
+        <a:xfrm>
+          <a:off x="0" y="0"/>
+          <a:ext cx="0" cy="0"/>
+          <a:chOff x="0" y="0"/>
+          <a:chExt cx="0" cy="0"/>
+        </a:xfrm>
+      </p:grpSpPr>
+      <p:pic>
+        <p:nvPicPr>
+          <p:cNvPr id="4" name="Picture 3"/>
+          <p:cNvPicPr>
+            <a:picLocks noChangeAspect="1"/>
+          </p:cNvPicPr>
+          <p:nvPr/>
+        </p:nvPicPr>
+        <p:blipFill>
+          <a:blip r:embed="rId2"/>
+          <a:stretch>
+            <a:fillRect/>
+          </a:stretch>
+        </p:blipFill>
+        <p:spPr>
+          <a:xfrm>
+            <a:off x="0" y="1193800"/>
+            <a:ext cx="9144000" cy="4445370"/>
+          </a:xfrm>
+          <a:prstGeom prst="rect">
+            <a:avLst/>
+          </a:prstGeom>
+        </p:spPr>
+      </p:pic>
+      <p:sp>
+        <p:nvSpPr>
+          <p:cNvPr id="5" name="Rectangle 4"/>
+          <p:cNvSpPr/>
+          <p:nvPr/>
+        </p:nvSpPr>
+        <p:spPr>
+          <a:xfrm>
+            <a:off x="1527064" y="5639170"/>
+            <a:ext cx="6743773" cy="369332"/>
+          </a:xfrm>
+          <a:prstGeom prst="rect">
+            <a:avLst/>
+          </a:prstGeom>
+        </p:spPr>
+        <p:txBody>
+          <a:bodyPr wrap="square">
+            <a:spAutoFit/>
+          </a:bodyPr>
+          <a:lstStyle/>
+          <a:p>
+            <a:r>
+              <a:rPr lang="en-US" dirty="0">
+                <a:hlinkClick r:id="rId3"/>
+              </a:rPr>
+              <a:t>https://github.com/Netflix/Hystrix/wiki/How-it-</a:t>
+            </a:r>
+            <a:r>
+              <a:rPr lang="en-US" dirty="0" smtClean="0">
+                <a:hlinkClick r:id="rId3"/>
+              </a:rPr>
+              <a:t>Works</a:t>
+            </a:r>
+            <a:r>
+              <a:rPr lang="en-US" dirty="0" smtClean="0"/>
+              <a:t> </a:t>
+            </a:r>
+            <a:endParaRPr lang="en-US" dirty="0"/>
+          </a:p>
+        </p:txBody>
+      </p:sp>
+    </p:spTree>
+    <p:extLst>
+      <p:ext uri="{BB962C8B-B14F-4D97-AF65-F5344CB8AC3E}">
+        <p14:creationId xmlns:p14="http://schemas.microsoft.com/office/powerpoint/2010/main" val="659728527"/>
+      </p:ext>
+    </p:extLst>
+  </p:cSld>
+  <p:clrMapOvr>
+    <a:masterClrMapping/>
+  </p:clrMapOvr>
+  <p:timing>
+    <p:tnLst>
+      <p:par>
+        <p:cTn xmlns:p14="http://schemas.microsoft.com/office/powerpoint/2010/main" id="1" dur="indefinite" restart="never" nodeType="tmRoot"/>
+      </p:par>
+    </p:tnLst>
+  </p:timing>
+</p:sld>
+</file>
+
+<file path=ppt/slides/slide21.xml><?xml version="1.0" encoding="utf-8"?>
 <p:sld xmlns:a="http://schemas.openxmlformats.org/drawingml/2006/main" xmlns:r="http://schemas.openxmlformats.org/officeDocument/2006/relationships" xmlns:p="http://schemas.openxmlformats.org/presentationml/2006/main">
   <p:cSld>
     <p:spTree>
@@ -7788,7 +7957,7 @@
 </p:sld>
 </file>
 
-<file path=ppt/slides/slide21.xml><?xml version="1.0" encoding="utf-8"?>
+<file path=ppt/slides/slide22.xml><?xml version="1.0" encoding="utf-8"?>
 <p:sld xmlns:a="http://schemas.openxmlformats.org/drawingml/2006/main" xmlns:r="http://schemas.openxmlformats.org/officeDocument/2006/relationships" xmlns:p="http://schemas.openxmlformats.org/presentationml/2006/main">
   <p:cSld>
     <p:spTree>
@@ -7907,7 +8076,7 @@
 </p:sld>
 </file>
 
-<file path=ppt/slides/slide22.xml><?xml version="1.0" encoding="utf-8"?>
+<file path=ppt/slides/slide23.xml><?xml version="1.0" encoding="utf-8"?>
 <p:sld xmlns:a="http://schemas.openxmlformats.org/drawingml/2006/main" xmlns:r="http://schemas.openxmlformats.org/officeDocument/2006/relationships" xmlns:p="http://schemas.openxmlformats.org/presentationml/2006/main">
   <p:cSld>
     <p:spTree>
@@ -8007,10 +8176,17 @@
   <p:clrMapOvr>
     <a:masterClrMapping/>
   </p:clrMapOvr>
+  <p:timing>
+    <p:tnLst>
+      <p:par>
+        <p:cTn xmlns:p14="http://schemas.microsoft.com/office/powerpoint/2010/main" id="1" dur="indefinite" restart="never" nodeType="tmRoot"/>
+      </p:par>
+    </p:tnLst>
+  </p:timing>
 </p:sld>
 </file>
 
-<file path=ppt/slides/slide23.xml><?xml version="1.0" encoding="utf-8"?>
+<file path=ppt/slides/slide24.xml><?xml version="1.0" encoding="utf-8"?>
 <p:sld xmlns:a="http://schemas.openxmlformats.org/drawingml/2006/main" xmlns:r="http://schemas.openxmlformats.org/officeDocument/2006/relationships" xmlns:p="http://schemas.openxmlformats.org/presentationml/2006/main">
   <p:cSld>
     <p:spTree>
@@ -8084,10 +8260,17 @@
   <p:clrMapOvr>
     <a:masterClrMapping/>
   </p:clrMapOvr>
+  <p:timing>
+    <p:tnLst>
+      <p:par>
+        <p:cTn xmlns:p14="http://schemas.microsoft.com/office/powerpoint/2010/main" id="1" dur="indefinite" restart="never" nodeType="tmRoot"/>
+      </p:par>
+    </p:tnLst>
+  </p:timing>
 </p:sld>
 </file>
 
-<file path=ppt/slides/slide24.xml><?xml version="1.0" encoding="utf-8"?>
+<file path=ppt/slides/slide25.xml><?xml version="1.0" encoding="utf-8"?>
 <p:sld xmlns:a="http://schemas.openxmlformats.org/drawingml/2006/main" xmlns:r="http://schemas.openxmlformats.org/officeDocument/2006/relationships" xmlns:p="http://schemas.openxmlformats.org/presentationml/2006/main">
   <p:cSld>
     <p:spTree>
@@ -8216,6 +8399,13 @@
   <p:clrMapOvr>
     <a:masterClrMapping/>
   </p:clrMapOvr>
+  <p:timing>
+    <p:tnLst>
+      <p:par>
+        <p:cTn xmlns:p14="http://schemas.microsoft.com/office/powerpoint/2010/main" id="1" dur="indefinite" restart="never" nodeType="tmRoot"/>
+      </p:par>
+    </p:tnLst>
+  </p:timing>
 </p:sld>
 </file>
 
@@ -8312,6 +8502,13 @@
   <p:clrMapOvr>
     <a:masterClrMapping/>
   </p:clrMapOvr>
+  <p:timing>
+    <p:tnLst>
+      <p:par>
+        <p:cTn xmlns:p14="http://schemas.microsoft.com/office/powerpoint/2010/main" id="1" dur="indefinite" restart="never" nodeType="tmRoot"/>
+      </p:par>
+    </p:tnLst>
+  </p:timing>
 </p:sld>
 </file>
 
@@ -8532,6 +8729,13 @@
   <p:clrMapOvr>
     <a:masterClrMapping/>
   </p:clrMapOvr>
+  <p:timing>
+    <p:tnLst>
+      <p:par>
+        <p:cTn xmlns:p14="http://schemas.microsoft.com/office/powerpoint/2010/main" id="1" dur="indefinite" restart="never" nodeType="tmRoot"/>
+      </p:par>
+    </p:tnLst>
+  </p:timing>
 </p:sld>
 </file>
 
@@ -8644,6 +8848,13 @@
   <p:clrMapOvr>
     <a:masterClrMapping/>
   </p:clrMapOvr>
+  <p:timing>
+    <p:tnLst>
+      <p:par>
+        <p:cTn xmlns:p14="http://schemas.microsoft.com/office/powerpoint/2010/main" id="1" dur="indefinite" restart="never" nodeType="tmRoot"/>
+      </p:par>
+    </p:tnLst>
+  </p:timing>
 </p:sld>
 </file>
 
@@ -8764,6 +8975,13 @@
   <p:clrMapOvr>
     <a:masterClrMapping/>
   </p:clrMapOvr>
+  <p:timing>
+    <p:tnLst>
+      <p:par>
+        <p:cTn xmlns:p14="http://schemas.microsoft.com/office/powerpoint/2010/main" id="1" dur="indefinite" restart="never" nodeType="tmRoot"/>
+      </p:par>
+    </p:tnLst>
+  </p:timing>
 </p:sld>
 </file>
 
@@ -8818,6 +9036,13 @@
   <p:clrMapOvr>
     <a:masterClrMapping/>
   </p:clrMapOvr>
+  <p:timing>
+    <p:tnLst>
+      <p:par>
+        <p:cTn xmlns:p14="http://schemas.microsoft.com/office/powerpoint/2010/main" id="1" dur="indefinite" restart="never" nodeType="tmRoot"/>
+      </p:par>
+    </p:tnLst>
+  </p:timing>
 </p:sld>
 </file>
 
@@ -8947,6 +9172,13 @@
   <p:clrMapOvr>
     <a:masterClrMapping/>
   </p:clrMapOvr>
+  <p:timing>
+    <p:tnLst>
+      <p:par>
+        <p:cTn xmlns:p14="http://schemas.microsoft.com/office/powerpoint/2010/main" id="1" dur="indefinite" restart="never" nodeType="tmRoot"/>
+      </p:par>
+    </p:tnLst>
+  </p:timing>
 </p:sld>
 </file>
 
@@ -9012,6 +9244,13 @@
   <p:clrMapOvr>
     <a:masterClrMapping/>
   </p:clrMapOvr>
+  <p:timing>
+    <p:tnLst>
+      <p:par>
+        <p:cTn xmlns:p14="http://schemas.microsoft.com/office/powerpoint/2010/main" id="1" dur="indefinite" restart="never" nodeType="tmRoot"/>
+      </p:par>
+    </p:tnLst>
+  </p:timing>
 </p:sld>
 </file>
 
